--- a/LEARNING.NOTE/js.pptx
+++ b/LEARNING.NOTE/js.pptx
@@ -17,14 +17,15 @@
     <p:sldId id="270" r:id="rId11"/>
     <p:sldId id="263" r:id="rId12"/>
     <p:sldId id="269" r:id="rId13"/>
-    <p:sldId id="264" r:id="rId14"/>
-    <p:sldId id="265" r:id="rId15"/>
-    <p:sldId id="266" r:id="rId16"/>
-    <p:sldId id="268" r:id="rId17"/>
-    <p:sldId id="272" r:id="rId18"/>
-    <p:sldId id="273" r:id="rId19"/>
-    <p:sldId id="274" r:id="rId20"/>
-    <p:sldId id="275" r:id="rId21"/>
+    <p:sldId id="276" r:id="rId14"/>
+    <p:sldId id="264" r:id="rId15"/>
+    <p:sldId id="265" r:id="rId16"/>
+    <p:sldId id="266" r:id="rId17"/>
+    <p:sldId id="268" r:id="rId18"/>
+    <p:sldId id="272" r:id="rId19"/>
+    <p:sldId id="273" r:id="rId20"/>
+    <p:sldId id="274" r:id="rId21"/>
+    <p:sldId id="275" r:id="rId22"/>
   </p:sldIdLst>
   <p:sldSz cx="12192000" cy="6858000"/>
   <p:notesSz cx="6858000" cy="9144000"/>
@@ -278,7 +279,7 @@
           <a:p>
             <a:fld id="{D9F8E890-F230-4973-A6AB-99C6E6A23CC4}" type="datetimeFigureOut">
               <a:rPr lang="en-US" smtClean="0"/>
-              <a:t>11/1/2023</a:t>
+              <a:t>11/18/2023</a:t>
             </a:fld>
             <a:endParaRPr lang="en-US"/>
           </a:p>
@@ -476,7 +477,7 @@
           <a:p>
             <a:fld id="{D9F8E890-F230-4973-A6AB-99C6E6A23CC4}" type="datetimeFigureOut">
               <a:rPr lang="en-US" smtClean="0"/>
-              <a:t>11/1/2023</a:t>
+              <a:t>11/18/2023</a:t>
             </a:fld>
             <a:endParaRPr lang="en-US"/>
           </a:p>
@@ -684,7 +685,7 @@
           <a:p>
             <a:fld id="{D9F8E890-F230-4973-A6AB-99C6E6A23CC4}" type="datetimeFigureOut">
               <a:rPr lang="en-US" smtClean="0"/>
-              <a:t>11/1/2023</a:t>
+              <a:t>11/18/2023</a:t>
             </a:fld>
             <a:endParaRPr lang="en-US"/>
           </a:p>
@@ -882,7 +883,7 @@
           <a:p>
             <a:fld id="{D9F8E890-F230-4973-A6AB-99C6E6A23CC4}" type="datetimeFigureOut">
               <a:rPr lang="en-US" smtClean="0"/>
-              <a:t>11/1/2023</a:t>
+              <a:t>11/18/2023</a:t>
             </a:fld>
             <a:endParaRPr lang="en-US"/>
           </a:p>
@@ -1157,7 +1158,7 @@
           <a:p>
             <a:fld id="{D9F8E890-F230-4973-A6AB-99C6E6A23CC4}" type="datetimeFigureOut">
               <a:rPr lang="en-US" smtClean="0"/>
-              <a:t>11/1/2023</a:t>
+              <a:t>11/18/2023</a:t>
             </a:fld>
             <a:endParaRPr lang="en-US"/>
           </a:p>
@@ -1422,7 +1423,7 @@
           <a:p>
             <a:fld id="{D9F8E890-F230-4973-A6AB-99C6E6A23CC4}" type="datetimeFigureOut">
               <a:rPr lang="en-US" smtClean="0"/>
-              <a:t>11/1/2023</a:t>
+              <a:t>11/18/2023</a:t>
             </a:fld>
             <a:endParaRPr lang="en-US"/>
           </a:p>
@@ -1834,7 +1835,7 @@
           <a:p>
             <a:fld id="{D9F8E890-F230-4973-A6AB-99C6E6A23CC4}" type="datetimeFigureOut">
               <a:rPr lang="en-US" smtClean="0"/>
-              <a:t>11/1/2023</a:t>
+              <a:t>11/18/2023</a:t>
             </a:fld>
             <a:endParaRPr lang="en-US"/>
           </a:p>
@@ -1975,7 +1976,7 @@
           <a:p>
             <a:fld id="{D9F8E890-F230-4973-A6AB-99C6E6A23CC4}" type="datetimeFigureOut">
               <a:rPr lang="en-US" smtClean="0"/>
-              <a:t>11/1/2023</a:t>
+              <a:t>11/18/2023</a:t>
             </a:fld>
             <a:endParaRPr lang="en-US"/>
           </a:p>
@@ -2088,7 +2089,7 @@
           <a:p>
             <a:fld id="{D9F8E890-F230-4973-A6AB-99C6E6A23CC4}" type="datetimeFigureOut">
               <a:rPr lang="en-US" smtClean="0"/>
-              <a:t>11/1/2023</a:t>
+              <a:t>11/18/2023</a:t>
             </a:fld>
             <a:endParaRPr lang="en-US"/>
           </a:p>
@@ -2399,7 +2400,7 @@
           <a:p>
             <a:fld id="{D9F8E890-F230-4973-A6AB-99C6E6A23CC4}" type="datetimeFigureOut">
               <a:rPr lang="en-US" smtClean="0"/>
-              <a:t>11/1/2023</a:t>
+              <a:t>11/18/2023</a:t>
             </a:fld>
             <a:endParaRPr lang="en-US"/>
           </a:p>
@@ -2687,7 +2688,7 @@
           <a:p>
             <a:fld id="{D9F8E890-F230-4973-A6AB-99C6E6A23CC4}" type="datetimeFigureOut">
               <a:rPr lang="en-US" smtClean="0"/>
-              <a:t>11/1/2023</a:t>
+              <a:t>11/18/2023</a:t>
             </a:fld>
             <a:endParaRPr lang="en-US"/>
           </a:p>
@@ -2928,7 +2929,7 @@
           <a:p>
             <a:fld id="{D9F8E890-F230-4973-A6AB-99C6E6A23CC4}" type="datetimeFigureOut">
               <a:rPr lang="en-US" smtClean="0"/>
-              <a:t>11/1/2023</a:t>
+              <a:t>11/18/2023</a:t>
             </a:fld>
             <a:endParaRPr lang="en-US"/>
           </a:p>
@@ -4569,24 +4570,388 @@
         </p:nvSpPr>
         <p:spPr>
           <a:xfrm>
-            <a:off x="1073019" y="1450383"/>
-            <a:ext cx="5151318" cy="369332"/>
-          </a:xfrm>
-          <a:prstGeom prst="rect">
-            <a:avLst/>
-          </a:prstGeom>
-          <a:noFill/>
-        </p:spPr>
-        <p:txBody>
-          <a:bodyPr wrap="square" rtlCol="0">
-            <a:spAutoFit/>
-          </a:bodyPr>
-          <a:lstStyle/>
-          <a:p>
-            <a:r>
-              <a:rPr lang="en-US" dirty="0"/>
-              <a:t>If(){}</a:t>
-            </a:r>
+            <a:off x="1073019" y="2074506"/>
+            <a:ext cx="5151318" cy="1477328"/>
+          </a:xfrm>
+          <a:prstGeom prst="rect">
+            <a:avLst/>
+          </a:prstGeom>
+          <a:noFill/>
+        </p:spPr>
+        <p:txBody>
+          <a:bodyPr wrap="square" rtlCol="0">
+            <a:spAutoFit/>
+          </a:bodyPr>
+          <a:lstStyle/>
+          <a:p>
+            <a:pPr algn="l"/>
+            <a:r>
+              <a:rPr lang="en-US" b="0" i="0" dirty="0">
+                <a:solidFill>
+                  <a:srgbClr val="800080"/>
+                </a:solidFill>
+                <a:effectLst/>
+                <a:latin typeface="inherit"/>
+              </a:rPr>
+              <a:t>var</a:t>
+            </a:r>
+            <a:r>
+              <a:rPr lang="en-US" b="0" i="0" dirty="0">
+                <a:solidFill>
+                  <a:srgbClr val="006FE0"/>
+                </a:solidFill>
+                <a:effectLst/>
+                <a:latin typeface="inherit"/>
+              </a:rPr>
+              <a:t> </a:t>
+            </a:r>
+            <a:r>
+              <a:rPr lang="en-US" b="0" i="0" dirty="0" err="1">
+                <a:solidFill>
+                  <a:srgbClr val="002D7A"/>
+                </a:solidFill>
+                <a:effectLst/>
+                <a:latin typeface="inherit"/>
+              </a:rPr>
+              <a:t>Daneshjoo</a:t>
+            </a:r>
+            <a:r>
+              <a:rPr lang="en-US" b="0" i="0" dirty="0">
+                <a:solidFill>
+                  <a:srgbClr val="006FE0"/>
+                </a:solidFill>
+                <a:effectLst/>
+                <a:latin typeface="inherit"/>
+              </a:rPr>
+              <a:t> = </a:t>
+            </a:r>
+            <a:r>
+              <a:rPr lang="en-US" b="0" i="0" dirty="0">
+                <a:solidFill>
+                  <a:srgbClr val="800080"/>
+                </a:solidFill>
+                <a:effectLst/>
+                <a:latin typeface="inherit"/>
+              </a:rPr>
+              <a:t>new</a:t>
+            </a:r>
+            <a:r>
+              <a:rPr lang="en-US" b="0" i="0" dirty="0">
+                <a:solidFill>
+                  <a:srgbClr val="006FE0"/>
+                </a:solidFill>
+                <a:effectLst/>
+                <a:latin typeface="inherit"/>
+              </a:rPr>
+              <a:t> </a:t>
+            </a:r>
+            <a:r>
+              <a:rPr lang="en-US" b="0" i="0" dirty="0">
+                <a:solidFill>
+                  <a:srgbClr val="800080"/>
+                </a:solidFill>
+                <a:effectLst/>
+                <a:latin typeface="inherit"/>
+              </a:rPr>
+              <a:t>Object</a:t>
+            </a:r>
+            <a:r>
+              <a:rPr lang="en-US" b="0" i="0" dirty="0">
+                <a:solidFill>
+                  <a:srgbClr val="333333"/>
+                </a:solidFill>
+                <a:effectLst/>
+                <a:latin typeface="inherit"/>
+              </a:rPr>
+              <a:t>();</a:t>
+            </a:r>
+            <a:endParaRPr lang="en-US" b="0" i="0" dirty="0">
+              <a:solidFill>
+                <a:srgbClr val="000000"/>
+              </a:solidFill>
+              <a:effectLst/>
+              <a:latin typeface="Consolas" panose="020B0609020204030204" pitchFamily="49" charset="0"/>
+            </a:endParaRPr>
+          </a:p>
+          <a:p>
+            <a:pPr algn="l"/>
+            <a:r>
+              <a:rPr lang="en-US" b="0" i="0" dirty="0" err="1">
+                <a:solidFill>
+                  <a:srgbClr val="002D7A"/>
+                </a:solidFill>
+                <a:effectLst/>
+                <a:latin typeface="inherit"/>
+              </a:rPr>
+              <a:t>Daneshjoo</a:t>
+            </a:r>
+            <a:r>
+              <a:rPr lang="en-US" b="0" i="0" dirty="0" err="1">
+                <a:solidFill>
+                  <a:srgbClr val="333333"/>
+                </a:solidFill>
+                <a:effectLst/>
+                <a:latin typeface="inherit"/>
+              </a:rPr>
+              <a:t>.</a:t>
+            </a:r>
+            <a:r>
+              <a:rPr lang="en-US" b="0" i="0" dirty="0" err="1">
+                <a:solidFill>
+                  <a:srgbClr val="004ED0"/>
+                </a:solidFill>
+                <a:effectLst/>
+                <a:latin typeface="inherit"/>
+              </a:rPr>
+              <a:t>Name</a:t>
+            </a:r>
+            <a:r>
+              <a:rPr lang="en-US" b="0" i="0" dirty="0">
+                <a:solidFill>
+                  <a:srgbClr val="006FE0"/>
+                </a:solidFill>
+                <a:effectLst/>
+                <a:latin typeface="inherit"/>
+              </a:rPr>
+              <a:t> = </a:t>
+            </a:r>
+            <a:r>
+              <a:rPr lang="en-US" b="0" i="0" dirty="0">
+                <a:solidFill>
+                  <a:srgbClr val="008000"/>
+                </a:solidFill>
+                <a:effectLst/>
+                <a:latin typeface="inherit"/>
+              </a:rPr>
+              <a:t>"Ali"</a:t>
+            </a:r>
+            <a:r>
+              <a:rPr lang="en-US" b="0" i="0" dirty="0">
+                <a:solidFill>
+                  <a:srgbClr val="333333"/>
+                </a:solidFill>
+                <a:effectLst/>
+                <a:latin typeface="inherit"/>
+              </a:rPr>
+              <a:t>;</a:t>
+            </a:r>
+            <a:endParaRPr lang="en-US" b="0" i="0" dirty="0">
+              <a:solidFill>
+                <a:srgbClr val="000000"/>
+              </a:solidFill>
+              <a:effectLst/>
+              <a:latin typeface="Consolas" panose="020B0609020204030204" pitchFamily="49" charset="0"/>
+            </a:endParaRPr>
+          </a:p>
+          <a:p>
+            <a:pPr algn="l"/>
+            <a:r>
+              <a:rPr lang="en-US" b="0" i="0" dirty="0" err="1">
+                <a:solidFill>
+                  <a:srgbClr val="002D7A"/>
+                </a:solidFill>
+                <a:effectLst/>
+                <a:latin typeface="inherit"/>
+              </a:rPr>
+              <a:t>Daneshjoo</a:t>
+            </a:r>
+            <a:r>
+              <a:rPr lang="en-US" b="0" i="0" dirty="0" err="1">
+                <a:solidFill>
+                  <a:srgbClr val="333333"/>
+                </a:solidFill>
+                <a:effectLst/>
+                <a:latin typeface="inherit"/>
+              </a:rPr>
+              <a:t>.</a:t>
+            </a:r>
+            <a:r>
+              <a:rPr lang="en-US" b="0" i="0" dirty="0" err="1">
+                <a:solidFill>
+                  <a:srgbClr val="004ED0"/>
+                </a:solidFill>
+                <a:effectLst/>
+                <a:latin typeface="inherit"/>
+              </a:rPr>
+              <a:t>Family</a:t>
+            </a:r>
+            <a:r>
+              <a:rPr lang="en-US" b="0" i="0" dirty="0">
+                <a:solidFill>
+                  <a:srgbClr val="006FE0"/>
+                </a:solidFill>
+                <a:effectLst/>
+                <a:latin typeface="inherit"/>
+              </a:rPr>
+              <a:t> = </a:t>
+            </a:r>
+            <a:r>
+              <a:rPr lang="en-US" b="0" i="0" dirty="0">
+                <a:solidFill>
+                  <a:srgbClr val="008000"/>
+                </a:solidFill>
+                <a:effectLst/>
+                <a:latin typeface="inherit"/>
+              </a:rPr>
+              <a:t>"Akbari"</a:t>
+            </a:r>
+            <a:r>
+              <a:rPr lang="en-US" b="0" i="0" dirty="0">
+                <a:solidFill>
+                  <a:srgbClr val="333333"/>
+                </a:solidFill>
+                <a:effectLst/>
+                <a:latin typeface="inherit"/>
+              </a:rPr>
+              <a:t>;</a:t>
+            </a:r>
+            <a:endParaRPr lang="en-US" b="0" i="0" dirty="0">
+              <a:solidFill>
+                <a:srgbClr val="000000"/>
+              </a:solidFill>
+              <a:effectLst/>
+              <a:latin typeface="Consolas" panose="020B0609020204030204" pitchFamily="49" charset="0"/>
+            </a:endParaRPr>
+          </a:p>
+          <a:p>
+            <a:pPr algn="l"/>
+            <a:r>
+              <a:rPr lang="en-US" b="0" i="0" dirty="0" err="1">
+                <a:solidFill>
+                  <a:srgbClr val="002D7A"/>
+                </a:solidFill>
+                <a:effectLst/>
+                <a:latin typeface="inherit"/>
+              </a:rPr>
+              <a:t>Daneshjoo</a:t>
+            </a:r>
+            <a:r>
+              <a:rPr lang="en-US" b="0" i="0" dirty="0" err="1">
+                <a:solidFill>
+                  <a:srgbClr val="333333"/>
+                </a:solidFill>
+                <a:effectLst/>
+                <a:latin typeface="inherit"/>
+              </a:rPr>
+              <a:t>.</a:t>
+            </a:r>
+            <a:r>
+              <a:rPr lang="en-US" b="0" i="0" dirty="0" err="1">
+                <a:solidFill>
+                  <a:srgbClr val="002D7A"/>
+                </a:solidFill>
+                <a:effectLst/>
+                <a:latin typeface="inherit"/>
+              </a:rPr>
+              <a:t>Age</a:t>
+            </a:r>
+            <a:r>
+              <a:rPr lang="en-US" b="0" i="0" dirty="0">
+                <a:solidFill>
+                  <a:srgbClr val="006FE0"/>
+                </a:solidFill>
+                <a:effectLst/>
+                <a:latin typeface="inherit"/>
+              </a:rPr>
+              <a:t> = </a:t>
+            </a:r>
+            <a:r>
+              <a:rPr lang="en-US" b="0" i="0" dirty="0">
+                <a:solidFill>
+                  <a:srgbClr val="CE0000"/>
+                </a:solidFill>
+                <a:effectLst/>
+                <a:latin typeface="inherit"/>
+              </a:rPr>
+              <a:t>25</a:t>
+            </a:r>
+            <a:r>
+              <a:rPr lang="en-US" b="0" i="0" dirty="0">
+                <a:solidFill>
+                  <a:srgbClr val="333333"/>
+                </a:solidFill>
+                <a:effectLst/>
+                <a:latin typeface="inherit"/>
+              </a:rPr>
+              <a:t>;</a:t>
+            </a:r>
+            <a:endParaRPr lang="en-US" b="0" i="0" dirty="0">
+              <a:solidFill>
+                <a:srgbClr val="000000"/>
+              </a:solidFill>
+              <a:effectLst/>
+              <a:latin typeface="Consolas" panose="020B0609020204030204" pitchFamily="49" charset="0"/>
+            </a:endParaRPr>
+          </a:p>
+          <a:p>
+            <a:pPr algn="l"/>
+            <a:r>
+              <a:rPr lang="en-US" b="0" i="0" dirty="0" err="1">
+                <a:solidFill>
+                  <a:srgbClr val="002D7A"/>
+                </a:solidFill>
+                <a:effectLst/>
+                <a:latin typeface="inherit"/>
+              </a:rPr>
+              <a:t>Daneshjoo</a:t>
+            </a:r>
+            <a:r>
+              <a:rPr lang="en-US" b="0" i="0" dirty="0" err="1">
+                <a:solidFill>
+                  <a:srgbClr val="333333"/>
+                </a:solidFill>
+                <a:effectLst/>
+                <a:latin typeface="inherit"/>
+              </a:rPr>
+              <a:t>.</a:t>
+            </a:r>
+            <a:r>
+              <a:rPr lang="en-US" b="0" i="0" dirty="0" err="1">
+                <a:solidFill>
+                  <a:srgbClr val="002D7A"/>
+                </a:solidFill>
+                <a:effectLst/>
+                <a:latin typeface="inherit"/>
+              </a:rPr>
+              <a:t>Code</a:t>
+            </a:r>
+            <a:r>
+              <a:rPr lang="en-US" b="0" i="0" dirty="0">
+                <a:solidFill>
+                  <a:srgbClr val="006FE0"/>
+                </a:solidFill>
+                <a:effectLst/>
+                <a:latin typeface="inherit"/>
+              </a:rPr>
+              <a:t> = </a:t>
+            </a:r>
+            <a:r>
+              <a:rPr lang="en-US" b="0" i="0" dirty="0">
+                <a:solidFill>
+                  <a:srgbClr val="CE0000"/>
+                </a:solidFill>
+                <a:effectLst/>
+                <a:latin typeface="inherit"/>
+              </a:rPr>
+              <a:t>4455</a:t>
+            </a:r>
+            <a:r>
+              <a:rPr lang="en-US" b="0" i="0" dirty="0">
+                <a:solidFill>
+                  <a:srgbClr val="333333"/>
+                </a:solidFill>
+                <a:effectLst/>
+                <a:latin typeface="inherit"/>
+              </a:rPr>
+              <a:t>;</a:t>
+            </a:r>
+            <a:endParaRPr lang="en-US" b="0" i="0" dirty="0">
+              <a:solidFill>
+                <a:srgbClr val="000000"/>
+              </a:solidFill>
+              <a:effectLst/>
+              <a:latin typeface="Consolas" panose="020B0609020204030204" pitchFamily="49" charset="0"/>
+            </a:endParaRPr>
           </a:p>
         </p:txBody>
       </p:sp>
@@ -4621,88 +4986,7 @@
             <a:pPr algn="r" rtl="1"/>
             <a:r>
               <a:rPr lang="fa-IR" dirty="0"/>
-              <a:t>دستور شرطی</a:t>
-            </a:r>
-            <a:endParaRPr lang="en-US" dirty="0"/>
-          </a:p>
-        </p:txBody>
-      </p:sp>
-      <p:sp>
-        <p:nvSpPr>
-          <p:cNvPr id="5" name="TextBox 4">
-            <a:extLst>
-              <a:ext uri="{FF2B5EF4-FFF2-40B4-BE49-F238E27FC236}">
-                <a16:creationId xmlns:a16="http://schemas.microsoft.com/office/drawing/2014/main" id="{C2010421-9EFF-4B63-8AE7-C5531A478C12}"/>
-              </a:ext>
-            </a:extLst>
-          </p:cNvPr>
-          <p:cNvSpPr txBox="1"/>
-          <p:nvPr/>
-        </p:nvSpPr>
-        <p:spPr>
-          <a:xfrm>
-            <a:off x="7006224" y="4354409"/>
-            <a:ext cx="1222312" cy="923330"/>
-          </a:xfrm>
-          <a:prstGeom prst="rect">
-            <a:avLst/>
-          </a:prstGeom>
-          <a:noFill/>
-        </p:spPr>
-        <p:txBody>
-          <a:bodyPr wrap="square" rtlCol="0">
-            <a:spAutoFit/>
-          </a:bodyPr>
-          <a:lstStyle/>
-          <a:p>
-            <a:r>
-              <a:rPr lang="en-US" dirty="0"/>
-              <a:t>&amp;&amp;</a:t>
-            </a:r>
-          </a:p>
-          <a:p>
-            <a:r>
-              <a:rPr lang="en-US" dirty="0"/>
-              <a:t>||</a:t>
-            </a:r>
-          </a:p>
-          <a:p>
-            <a:endParaRPr lang="en-US" dirty="0"/>
-          </a:p>
-        </p:txBody>
-      </p:sp>
-      <p:sp>
-        <p:nvSpPr>
-          <p:cNvPr id="7" name="TextBox 6">
-            <a:extLst>
-              <a:ext uri="{FF2B5EF4-FFF2-40B4-BE49-F238E27FC236}">
-                <a16:creationId xmlns:a16="http://schemas.microsoft.com/office/drawing/2014/main" id="{1C46538D-F57D-4296-B928-6F40A91501E2}"/>
-              </a:ext>
-            </a:extLst>
-          </p:cNvPr>
-          <p:cNvSpPr txBox="1"/>
-          <p:nvPr/>
-        </p:nvSpPr>
-        <p:spPr>
-          <a:xfrm>
-            <a:off x="8304244" y="2765835"/>
-            <a:ext cx="2943073" cy="369332"/>
-          </a:xfrm>
-          <a:prstGeom prst="rect">
-            <a:avLst/>
-          </a:prstGeom>
-          <a:noFill/>
-        </p:spPr>
-        <p:txBody>
-          <a:bodyPr wrap="square" rtlCol="0">
-            <a:spAutoFit/>
-          </a:bodyPr>
-          <a:lstStyle/>
-          <a:p>
-            <a:pPr algn="r" rtl="1"/>
-            <a:r>
-              <a:rPr lang="fa-IR" dirty="0"/>
-              <a:t>عملگرهای مقایسه ای</a:t>
+              <a:t>سازنده آبجکت</a:t>
             </a:r>
             <a:endParaRPr lang="en-US" dirty="0"/>
           </a:p>
@@ -4738,308 +5022,118 @@
           <a:p>
             <a:pPr algn="r" rtl="1"/>
             <a:r>
+              <a:rPr lang="en-US" dirty="0"/>
+              <a:t>object</a:t>
+            </a:r>
+          </a:p>
+        </p:txBody>
+      </p:sp>
+      <p:sp>
+        <p:nvSpPr>
+          <p:cNvPr id="5" name="TextBox 4">
+            <a:extLst>
+              <a:ext uri="{FF2B5EF4-FFF2-40B4-BE49-F238E27FC236}">
+                <a16:creationId xmlns:a16="http://schemas.microsoft.com/office/drawing/2014/main" id="{A90F00DF-8C76-B665-7D6C-64B7A0858A97}"/>
+              </a:ext>
+            </a:extLst>
+          </p:cNvPr>
+          <p:cNvSpPr txBox="1"/>
+          <p:nvPr/>
+        </p:nvSpPr>
+        <p:spPr>
+          <a:xfrm>
+            <a:off x="1147664" y="3828832"/>
+            <a:ext cx="5151318" cy="1200329"/>
+          </a:xfrm>
+          <a:prstGeom prst="rect">
+            <a:avLst/>
+          </a:prstGeom>
+          <a:noFill/>
+        </p:spPr>
+        <p:txBody>
+          <a:bodyPr wrap="square" rtlCol="0">
+            <a:spAutoFit/>
+          </a:bodyPr>
+          <a:lstStyle/>
+          <a:p>
+            <a:r>
+              <a:rPr lang="en-US" dirty="0"/>
+              <a:t>var p=[];</a:t>
+            </a:r>
+          </a:p>
+          <a:p>
+            <a:r>
+              <a:rPr lang="en-US" dirty="0" err="1"/>
+              <a:t>p.push</a:t>
+            </a:r>
+            <a:r>
+              <a:rPr lang="en-US" dirty="0"/>
+              <a:t>(new person(“ali”,”akbari”,30));</a:t>
+            </a:r>
+          </a:p>
+          <a:p>
+            <a:r>
+              <a:rPr lang="en-US" dirty="0" err="1"/>
+              <a:t>p.push</a:t>
+            </a:r>
+            <a:r>
+              <a:rPr lang="en-US" dirty="0"/>
+              <a:t>(new person(“taghi”,”mazaheri”,20));</a:t>
+            </a:r>
+          </a:p>
+          <a:p>
+            <a:r>
+              <a:rPr lang="en-US" dirty="0" err="1"/>
+              <a:t>p.push</a:t>
+            </a:r>
+            <a:r>
+              <a:rPr lang="en-US" dirty="0"/>
+              <a:t>(new person(“mohsen”,”rahmati”,25));</a:t>
+            </a:r>
+          </a:p>
+        </p:txBody>
+      </p:sp>
+      <p:sp>
+        <p:nvSpPr>
+          <p:cNvPr id="6" name="TextBox 5">
+            <a:extLst>
+              <a:ext uri="{FF2B5EF4-FFF2-40B4-BE49-F238E27FC236}">
+                <a16:creationId xmlns:a16="http://schemas.microsoft.com/office/drawing/2014/main" id="{59E60E5D-040A-D8E2-5EFB-F24AB8F883E0}"/>
+              </a:ext>
+            </a:extLst>
+          </p:cNvPr>
+          <p:cNvSpPr txBox="1"/>
+          <p:nvPr/>
+        </p:nvSpPr>
+        <p:spPr>
+          <a:xfrm>
+            <a:off x="5893018" y="3887562"/>
+            <a:ext cx="5151318" cy="369332"/>
+          </a:xfrm>
+          <a:prstGeom prst="rect">
+            <a:avLst/>
+          </a:prstGeom>
+          <a:noFill/>
+        </p:spPr>
+        <p:txBody>
+          <a:bodyPr wrap="square" rtlCol="0">
+            <a:spAutoFit/>
+          </a:bodyPr>
+          <a:lstStyle/>
+          <a:p>
+            <a:pPr algn="r" rtl="1"/>
+            <a:r>
               <a:rPr lang="fa-IR" dirty="0"/>
-              <a:t>شرط</a:t>
+              <a:t>آرایه ای از آبجکت</a:t>
             </a:r>
             <a:endParaRPr lang="en-US" dirty="0"/>
-          </a:p>
-        </p:txBody>
-      </p:sp>
-      <p:sp>
-        <p:nvSpPr>
-          <p:cNvPr id="2" name="TextBox 1">
-            <a:extLst>
-              <a:ext uri="{FF2B5EF4-FFF2-40B4-BE49-F238E27FC236}">
-                <a16:creationId xmlns:a16="http://schemas.microsoft.com/office/drawing/2014/main" id="{58344AB4-76D8-CC3D-4412-D39646F40BDE}"/>
-              </a:ext>
-            </a:extLst>
-          </p:cNvPr>
-          <p:cNvSpPr txBox="1"/>
-          <p:nvPr/>
-        </p:nvSpPr>
-        <p:spPr>
-          <a:xfrm>
-            <a:off x="5154834" y="3569701"/>
-            <a:ext cx="2943073" cy="369332"/>
-          </a:xfrm>
-          <a:prstGeom prst="rect">
-            <a:avLst/>
-          </a:prstGeom>
-          <a:noFill/>
-        </p:spPr>
-        <p:txBody>
-          <a:bodyPr wrap="square" rtlCol="0">
-            <a:spAutoFit/>
-          </a:bodyPr>
-          <a:lstStyle/>
-          <a:p>
-            <a:pPr algn="r" rtl="1"/>
-            <a:r>
-              <a:rPr lang="fa-IR" dirty="0"/>
-              <a:t>عملگرهای منطقی</a:t>
-            </a:r>
-            <a:endParaRPr lang="en-US" dirty="0"/>
-          </a:p>
-        </p:txBody>
-      </p:sp>
-      <p:sp>
-        <p:nvSpPr>
-          <p:cNvPr id="6" name="TextBox 5">
-            <a:extLst>
-              <a:ext uri="{FF2B5EF4-FFF2-40B4-BE49-F238E27FC236}">
-                <a16:creationId xmlns:a16="http://schemas.microsoft.com/office/drawing/2014/main" id="{0CDDC083-1550-A528-122D-886A9EA3FFD5}"/>
-              </a:ext>
-            </a:extLst>
-          </p:cNvPr>
-          <p:cNvSpPr txBox="1"/>
-          <p:nvPr/>
-        </p:nvSpPr>
-        <p:spPr>
-          <a:xfrm>
-            <a:off x="9433247" y="3428999"/>
-            <a:ext cx="1222312" cy="2585323"/>
-          </a:xfrm>
-          <a:prstGeom prst="rect">
-            <a:avLst/>
-          </a:prstGeom>
-          <a:noFill/>
-        </p:spPr>
-        <p:txBody>
-          <a:bodyPr wrap="square" rtlCol="0">
-            <a:spAutoFit/>
-          </a:bodyPr>
-          <a:lstStyle/>
-          <a:p>
-            <a:r>
-              <a:rPr lang="en-US" dirty="0"/>
-              <a:t>==</a:t>
-            </a:r>
-          </a:p>
-          <a:p>
-            <a:r>
-              <a:rPr lang="en-US" dirty="0"/>
-              <a:t>===</a:t>
-            </a:r>
-          </a:p>
-          <a:p>
-            <a:r>
-              <a:rPr lang="en-US" dirty="0"/>
-              <a:t>&lt;&gt;</a:t>
-            </a:r>
-          </a:p>
-          <a:p>
-            <a:r>
-              <a:rPr lang="en-US" dirty="0"/>
-              <a:t>!=</a:t>
-            </a:r>
-          </a:p>
-          <a:p>
-            <a:r>
-              <a:rPr lang="en-US" dirty="0"/>
-              <a:t>!==</a:t>
-            </a:r>
-          </a:p>
-          <a:p>
-            <a:r>
-              <a:rPr lang="en-US" dirty="0"/>
-              <a:t>&gt;</a:t>
-            </a:r>
-          </a:p>
-          <a:p>
-            <a:r>
-              <a:rPr lang="en-US" dirty="0"/>
-              <a:t>&lt;</a:t>
-            </a:r>
-          </a:p>
-          <a:p>
-            <a:r>
-              <a:rPr lang="en-US" dirty="0"/>
-              <a:t>&gt;=</a:t>
-            </a:r>
-          </a:p>
-          <a:p>
-            <a:r>
-              <a:rPr lang="en-US" dirty="0"/>
-              <a:t>&lt;=</a:t>
-            </a:r>
-          </a:p>
-        </p:txBody>
-      </p:sp>
-      <p:sp>
-        <p:nvSpPr>
-          <p:cNvPr id="9" name="TextBox 8">
-            <a:extLst>
-              <a:ext uri="{FF2B5EF4-FFF2-40B4-BE49-F238E27FC236}">
-                <a16:creationId xmlns:a16="http://schemas.microsoft.com/office/drawing/2014/main" id="{FF59A6D4-A9EC-FC65-2B85-247C8A09A6F8}"/>
-              </a:ext>
-            </a:extLst>
-          </p:cNvPr>
-          <p:cNvSpPr txBox="1"/>
-          <p:nvPr/>
-        </p:nvSpPr>
-        <p:spPr>
-          <a:xfrm>
-            <a:off x="1073019" y="2046329"/>
-            <a:ext cx="5151318" cy="646331"/>
-          </a:xfrm>
-          <a:prstGeom prst="rect">
-            <a:avLst/>
-          </a:prstGeom>
-          <a:noFill/>
-        </p:spPr>
-        <p:txBody>
-          <a:bodyPr wrap="square" rtlCol="0">
-            <a:spAutoFit/>
-          </a:bodyPr>
-          <a:lstStyle/>
-          <a:p>
-            <a:r>
-              <a:rPr lang="en-US" dirty="0"/>
-              <a:t>If(){}</a:t>
-            </a:r>
-          </a:p>
-          <a:p>
-            <a:r>
-              <a:rPr lang="en-US" dirty="0"/>
-              <a:t>else{}</a:t>
-            </a:r>
-          </a:p>
-        </p:txBody>
-      </p:sp>
-      <p:sp>
-        <p:nvSpPr>
-          <p:cNvPr id="12" name="TextBox 11">
-            <a:extLst>
-              <a:ext uri="{FF2B5EF4-FFF2-40B4-BE49-F238E27FC236}">
-                <a16:creationId xmlns:a16="http://schemas.microsoft.com/office/drawing/2014/main" id="{A285D696-55C1-CFDA-5810-1514D3642AEE}"/>
-              </a:ext>
-            </a:extLst>
-          </p:cNvPr>
-          <p:cNvSpPr txBox="1"/>
-          <p:nvPr/>
-        </p:nvSpPr>
-        <p:spPr>
-          <a:xfrm>
-            <a:off x="1073019" y="2719326"/>
-            <a:ext cx="5151318" cy="646331"/>
-          </a:xfrm>
-          <a:prstGeom prst="rect">
-            <a:avLst/>
-          </a:prstGeom>
-          <a:noFill/>
-        </p:spPr>
-        <p:txBody>
-          <a:bodyPr wrap="square" rtlCol="0">
-            <a:spAutoFit/>
-          </a:bodyPr>
-          <a:lstStyle/>
-          <a:p>
-            <a:r>
-              <a:rPr lang="en-US" dirty="0"/>
-              <a:t>If(){}</a:t>
-            </a:r>
-          </a:p>
-          <a:p>
-            <a:r>
-              <a:rPr lang="en-US" dirty="0"/>
-              <a:t>else if(){}</a:t>
-            </a:r>
-          </a:p>
-        </p:txBody>
-      </p:sp>
-      <p:sp>
-        <p:nvSpPr>
-          <p:cNvPr id="13" name="TextBox 12">
-            <a:extLst>
-              <a:ext uri="{FF2B5EF4-FFF2-40B4-BE49-F238E27FC236}">
-                <a16:creationId xmlns:a16="http://schemas.microsoft.com/office/drawing/2014/main" id="{DCA0DA28-6ED8-4D49-4647-77F27C83D375}"/>
-              </a:ext>
-            </a:extLst>
-          </p:cNvPr>
-          <p:cNvSpPr txBox="1"/>
-          <p:nvPr/>
-        </p:nvSpPr>
-        <p:spPr>
-          <a:xfrm>
-            <a:off x="1103915" y="3525000"/>
-            <a:ext cx="5151318" cy="1754326"/>
-          </a:xfrm>
-          <a:prstGeom prst="rect">
-            <a:avLst/>
-          </a:prstGeom>
-          <a:noFill/>
-        </p:spPr>
-        <p:txBody>
-          <a:bodyPr wrap="square" rtlCol="0">
-            <a:spAutoFit/>
-          </a:bodyPr>
-          <a:lstStyle/>
-          <a:p>
-            <a:r>
-              <a:rPr lang="en-US" dirty="0"/>
-              <a:t>switch(x){</a:t>
-            </a:r>
-          </a:p>
-          <a:p>
-            <a:r>
-              <a:rPr lang="en-US" dirty="0"/>
-              <a:t>case 1: … </a:t>
-            </a:r>
-            <a:r>
-              <a:rPr lang="en-US" dirty="0" err="1"/>
-              <a:t>breack</a:t>
-            </a:r>
-            <a:r>
-              <a:rPr lang="en-US" dirty="0"/>
-              <a:t>;</a:t>
-            </a:r>
-          </a:p>
-          <a:p>
-            <a:r>
-              <a:rPr lang="en-US" dirty="0"/>
-              <a:t>case 2: … </a:t>
-            </a:r>
-            <a:r>
-              <a:rPr lang="en-US" dirty="0" err="1"/>
-              <a:t>breack</a:t>
-            </a:r>
-            <a:r>
-              <a:rPr lang="en-US" dirty="0"/>
-              <a:t>;</a:t>
-            </a:r>
-          </a:p>
-          <a:p>
-            <a:r>
-              <a:rPr lang="en-US" dirty="0"/>
-              <a:t>case 3: … </a:t>
-            </a:r>
-            <a:r>
-              <a:rPr lang="en-US" dirty="0" err="1"/>
-              <a:t>breack</a:t>
-            </a:r>
-            <a:r>
-              <a:rPr lang="en-US" dirty="0"/>
-              <a:t>;</a:t>
-            </a:r>
-          </a:p>
-          <a:p>
-            <a:r>
-              <a:rPr lang="en-US" dirty="0"/>
-              <a:t>default: ...</a:t>
-            </a:r>
-          </a:p>
-          <a:p>
-            <a:r>
-              <a:rPr lang="en-US" dirty="0"/>
-              <a:t>}</a:t>
-            </a:r>
           </a:p>
         </p:txBody>
       </p:sp>
     </p:spTree>
     <p:extLst>
       <p:ext uri="{BB962C8B-B14F-4D97-AF65-F5344CB8AC3E}">
-        <p14:creationId xmlns:p14="http://schemas.microsoft.com/office/powerpoint/2010/main" val="2295180487"/>
+        <p14:creationId xmlns:p14="http://schemas.microsoft.com/office/powerpoint/2010/main" val="3992248115"/>
       </p:ext>
     </p:extLst>
   </p:cSld>
@@ -5081,63 +5175,123 @@
         <p:spPr>
           <a:xfrm>
             <a:off x="1073019" y="1450383"/>
-            <a:ext cx="5151318" cy="923330"/>
-          </a:xfrm>
-          <a:prstGeom prst="rect">
-            <a:avLst/>
-          </a:prstGeom>
-          <a:noFill/>
-        </p:spPr>
-        <p:txBody>
-          <a:bodyPr wrap="square" rtlCol="0">
-            <a:spAutoFit/>
-          </a:bodyPr>
-          <a:lstStyle/>
-          <a:p>
-            <a:r>
-              <a:rPr lang="en-US" dirty="0"/>
-              <a:t>fore(var </a:t>
-            </a:r>
-            <a:r>
-              <a:rPr lang="en-US" dirty="0" err="1"/>
-              <a:t>i</a:t>
-            </a:r>
-            <a:r>
-              <a:rPr lang="en-US" dirty="0"/>
-              <a:t>=0;i&lt;=10;i++){</a:t>
-            </a:r>
-          </a:p>
-          <a:p>
+            <a:ext cx="5151318" cy="369332"/>
+          </a:xfrm>
+          <a:prstGeom prst="rect">
+            <a:avLst/>
+          </a:prstGeom>
+          <a:noFill/>
+        </p:spPr>
+        <p:txBody>
+          <a:bodyPr wrap="square" rtlCol="0">
+            <a:spAutoFit/>
+          </a:bodyPr>
+          <a:lstStyle/>
+          <a:p>
+            <a:r>
+              <a:rPr lang="en-US" dirty="0"/>
+              <a:t>If(){}</a:t>
+            </a:r>
+          </a:p>
+        </p:txBody>
+      </p:sp>
+      <p:sp>
+        <p:nvSpPr>
+          <p:cNvPr id="4" name="TextBox 3">
+            <a:extLst>
+              <a:ext uri="{FF2B5EF4-FFF2-40B4-BE49-F238E27FC236}">
+                <a16:creationId xmlns:a16="http://schemas.microsoft.com/office/drawing/2014/main" id="{8C44526C-0C54-45B5-BD1A-DEF255D9333E}"/>
+              </a:ext>
+            </a:extLst>
+          </p:cNvPr>
+          <p:cNvSpPr txBox="1"/>
+          <p:nvPr/>
+        </p:nvSpPr>
+        <p:spPr>
+          <a:xfrm>
+            <a:off x="6224337" y="2015776"/>
+            <a:ext cx="5151318" cy="369332"/>
+          </a:xfrm>
+          <a:prstGeom prst="rect">
+            <a:avLst/>
+          </a:prstGeom>
+          <a:noFill/>
+        </p:spPr>
+        <p:txBody>
+          <a:bodyPr wrap="square" rtlCol="0">
+            <a:spAutoFit/>
+          </a:bodyPr>
+          <a:lstStyle/>
+          <a:p>
+            <a:pPr algn="r" rtl="1"/>
             <a:r>
               <a:rPr lang="fa-IR" dirty="0"/>
-              <a:t>دستورات</a:t>
+              <a:t>دستور شرطی</a:t>
             </a:r>
             <a:endParaRPr lang="en-US" dirty="0"/>
           </a:p>
-          <a:p>
-            <a:r>
-              <a:rPr lang="en-US" dirty="0"/>
-              <a:t>}</a:t>
-            </a:r>
-          </a:p>
-        </p:txBody>
-      </p:sp>
-      <p:sp>
-        <p:nvSpPr>
-          <p:cNvPr id="4" name="TextBox 3">
-            <a:extLst>
-              <a:ext uri="{FF2B5EF4-FFF2-40B4-BE49-F238E27FC236}">
-                <a16:creationId xmlns:a16="http://schemas.microsoft.com/office/drawing/2014/main" id="{8C44526C-0C54-45B5-BD1A-DEF255D9333E}"/>
-              </a:ext>
-            </a:extLst>
-          </p:cNvPr>
-          <p:cNvSpPr txBox="1"/>
-          <p:nvPr/>
-        </p:nvSpPr>
-        <p:spPr>
-          <a:xfrm>
-            <a:off x="6354966" y="1450383"/>
-            <a:ext cx="5151318" cy="369332"/>
+        </p:txBody>
+      </p:sp>
+      <p:sp>
+        <p:nvSpPr>
+          <p:cNvPr id="5" name="TextBox 4">
+            <a:extLst>
+              <a:ext uri="{FF2B5EF4-FFF2-40B4-BE49-F238E27FC236}">
+                <a16:creationId xmlns:a16="http://schemas.microsoft.com/office/drawing/2014/main" id="{C2010421-9EFF-4B63-8AE7-C5531A478C12}"/>
+              </a:ext>
+            </a:extLst>
+          </p:cNvPr>
+          <p:cNvSpPr txBox="1"/>
+          <p:nvPr/>
+        </p:nvSpPr>
+        <p:spPr>
+          <a:xfrm>
+            <a:off x="7006224" y="4354409"/>
+            <a:ext cx="1222312" cy="923330"/>
+          </a:xfrm>
+          <a:prstGeom prst="rect">
+            <a:avLst/>
+          </a:prstGeom>
+          <a:noFill/>
+        </p:spPr>
+        <p:txBody>
+          <a:bodyPr wrap="square" rtlCol="0">
+            <a:spAutoFit/>
+          </a:bodyPr>
+          <a:lstStyle/>
+          <a:p>
+            <a:r>
+              <a:rPr lang="en-US" dirty="0"/>
+              <a:t>&amp;&amp;</a:t>
+            </a:r>
+          </a:p>
+          <a:p>
+            <a:r>
+              <a:rPr lang="en-US" dirty="0"/>
+              <a:t>||</a:t>
+            </a:r>
+          </a:p>
+          <a:p>
+            <a:endParaRPr lang="en-US" dirty="0"/>
+          </a:p>
+        </p:txBody>
+      </p:sp>
+      <p:sp>
+        <p:nvSpPr>
+          <p:cNvPr id="7" name="TextBox 6">
+            <a:extLst>
+              <a:ext uri="{FF2B5EF4-FFF2-40B4-BE49-F238E27FC236}">
+                <a16:creationId xmlns:a16="http://schemas.microsoft.com/office/drawing/2014/main" id="{1C46538D-F57D-4296-B928-6F40A91501E2}"/>
+              </a:ext>
+            </a:extLst>
+          </p:cNvPr>
+          <p:cNvSpPr txBox="1"/>
+          <p:nvPr/>
+        </p:nvSpPr>
+        <p:spPr>
+          <a:xfrm>
+            <a:off x="8304244" y="2765835"/>
+            <a:ext cx="2943073" cy="369332"/>
           </a:xfrm>
           <a:prstGeom prst="rect">
             <a:avLst/>
@@ -5153,7 +5307,7 @@
             <a:pPr algn="r" rtl="1"/>
             <a:r>
               <a:rPr lang="fa-IR" dirty="0"/>
-              <a:t>حلقه با تکرار معین</a:t>
+              <a:t>عملگرهای مقایسه ای</a:t>
             </a:r>
             <a:endParaRPr lang="en-US" dirty="0"/>
           </a:p>
@@ -5190,7 +5344,7 @@
             <a:pPr algn="r" rtl="1"/>
             <a:r>
               <a:rPr lang="fa-IR" dirty="0"/>
-              <a:t>حلقه ها</a:t>
+              <a:t>شرط</a:t>
             </a:r>
             <a:endParaRPr lang="en-US" dirty="0"/>
           </a:p>
@@ -5198,76 +5352,285 @@
       </p:sp>
       <p:sp>
         <p:nvSpPr>
-          <p:cNvPr id="10" name="TextBox 9">
-            <a:extLst>
-              <a:ext uri="{FF2B5EF4-FFF2-40B4-BE49-F238E27FC236}">
-                <a16:creationId xmlns:a16="http://schemas.microsoft.com/office/drawing/2014/main" id="{5372208E-B5C2-C617-BD1E-3E10014CFC1E}"/>
-              </a:ext>
-            </a:extLst>
-          </p:cNvPr>
-          <p:cNvSpPr txBox="1"/>
-          <p:nvPr/>
-        </p:nvSpPr>
-        <p:spPr>
-          <a:xfrm>
-            <a:off x="1073019" y="2304170"/>
-            <a:ext cx="5151318" cy="1200329"/>
-          </a:xfrm>
-          <a:prstGeom prst="rect">
-            <a:avLst/>
-          </a:prstGeom>
-          <a:noFill/>
-        </p:spPr>
-        <p:txBody>
-          <a:bodyPr wrap="square" rtlCol="0">
-            <a:spAutoFit/>
-          </a:bodyPr>
-          <a:lstStyle/>
-          <a:p>
-            <a:r>
-              <a:rPr lang="en-US" dirty="0"/>
-              <a:t>var names=[“</a:t>
-            </a:r>
-            <a:r>
-              <a:rPr lang="en-US" dirty="0" err="1"/>
-              <a:t>ali</a:t>
-            </a:r>
-            <a:r>
-              <a:rPr lang="en-US" dirty="0"/>
-              <a:t>”,”</a:t>
-            </a:r>
-            <a:r>
-              <a:rPr lang="en-US" dirty="0" err="1"/>
-              <a:t>hasan</a:t>
-            </a:r>
-            <a:r>
-              <a:rPr lang="en-US" dirty="0"/>
-              <a:t>”,</a:t>
-            </a:r>
-            <a:r>
-              <a:rPr lang="en-US" dirty="0" err="1"/>
-              <a:t>taghi</a:t>
-            </a:r>
-            <a:r>
-              <a:rPr lang="en-US" dirty="0"/>
-              <a:t>”];</a:t>
-            </a:r>
-            <a:endParaRPr lang="fa-IR" dirty="0"/>
-          </a:p>
-          <a:p>
-            <a:r>
-              <a:rPr lang="en-US" dirty="0"/>
-              <a:t>fore(n in names){</a:t>
-            </a:r>
-          </a:p>
-          <a:p>
-            <a:r>
-              <a:rPr lang="en-US" dirty="0" err="1"/>
-              <a:t>alesrt</a:t>
-            </a:r>
-            <a:r>
-              <a:rPr lang="en-US" dirty="0"/>
-              <a:t>(names[n]);</a:t>
+          <p:cNvPr id="2" name="TextBox 1">
+            <a:extLst>
+              <a:ext uri="{FF2B5EF4-FFF2-40B4-BE49-F238E27FC236}">
+                <a16:creationId xmlns:a16="http://schemas.microsoft.com/office/drawing/2014/main" id="{58344AB4-76D8-CC3D-4412-D39646F40BDE}"/>
+              </a:ext>
+            </a:extLst>
+          </p:cNvPr>
+          <p:cNvSpPr txBox="1"/>
+          <p:nvPr/>
+        </p:nvSpPr>
+        <p:spPr>
+          <a:xfrm>
+            <a:off x="5154834" y="3569701"/>
+            <a:ext cx="2943073" cy="369332"/>
+          </a:xfrm>
+          <a:prstGeom prst="rect">
+            <a:avLst/>
+          </a:prstGeom>
+          <a:noFill/>
+        </p:spPr>
+        <p:txBody>
+          <a:bodyPr wrap="square" rtlCol="0">
+            <a:spAutoFit/>
+          </a:bodyPr>
+          <a:lstStyle/>
+          <a:p>
+            <a:pPr algn="r" rtl="1"/>
+            <a:r>
+              <a:rPr lang="fa-IR" dirty="0"/>
+              <a:t>عملگرهای منطقی</a:t>
+            </a:r>
+            <a:endParaRPr lang="en-US" dirty="0"/>
+          </a:p>
+        </p:txBody>
+      </p:sp>
+      <p:sp>
+        <p:nvSpPr>
+          <p:cNvPr id="6" name="TextBox 5">
+            <a:extLst>
+              <a:ext uri="{FF2B5EF4-FFF2-40B4-BE49-F238E27FC236}">
+                <a16:creationId xmlns:a16="http://schemas.microsoft.com/office/drawing/2014/main" id="{0CDDC083-1550-A528-122D-886A9EA3FFD5}"/>
+              </a:ext>
+            </a:extLst>
+          </p:cNvPr>
+          <p:cNvSpPr txBox="1"/>
+          <p:nvPr/>
+        </p:nvSpPr>
+        <p:spPr>
+          <a:xfrm>
+            <a:off x="9433247" y="3428999"/>
+            <a:ext cx="1222312" cy="2585323"/>
+          </a:xfrm>
+          <a:prstGeom prst="rect">
+            <a:avLst/>
+          </a:prstGeom>
+          <a:noFill/>
+        </p:spPr>
+        <p:txBody>
+          <a:bodyPr wrap="square" rtlCol="0">
+            <a:spAutoFit/>
+          </a:bodyPr>
+          <a:lstStyle/>
+          <a:p>
+            <a:r>
+              <a:rPr lang="en-US" dirty="0"/>
+              <a:t>==</a:t>
+            </a:r>
+          </a:p>
+          <a:p>
+            <a:r>
+              <a:rPr lang="en-US" dirty="0"/>
+              <a:t>===</a:t>
+            </a:r>
+          </a:p>
+          <a:p>
+            <a:r>
+              <a:rPr lang="en-US" dirty="0"/>
+              <a:t>&lt;&gt;</a:t>
+            </a:r>
+          </a:p>
+          <a:p>
+            <a:r>
+              <a:rPr lang="en-US" dirty="0"/>
+              <a:t>!=</a:t>
+            </a:r>
+          </a:p>
+          <a:p>
+            <a:r>
+              <a:rPr lang="en-US" dirty="0"/>
+              <a:t>!==</a:t>
+            </a:r>
+          </a:p>
+          <a:p>
+            <a:r>
+              <a:rPr lang="en-US" dirty="0"/>
+              <a:t>&gt;</a:t>
+            </a:r>
+          </a:p>
+          <a:p>
+            <a:r>
+              <a:rPr lang="en-US" dirty="0"/>
+              <a:t>&lt;</a:t>
+            </a:r>
+          </a:p>
+          <a:p>
+            <a:r>
+              <a:rPr lang="en-US" dirty="0"/>
+              <a:t>&gt;=</a:t>
+            </a:r>
+          </a:p>
+          <a:p>
+            <a:r>
+              <a:rPr lang="en-US" dirty="0"/>
+              <a:t>&lt;=</a:t>
+            </a:r>
+          </a:p>
+        </p:txBody>
+      </p:sp>
+      <p:sp>
+        <p:nvSpPr>
+          <p:cNvPr id="9" name="TextBox 8">
+            <a:extLst>
+              <a:ext uri="{FF2B5EF4-FFF2-40B4-BE49-F238E27FC236}">
+                <a16:creationId xmlns:a16="http://schemas.microsoft.com/office/drawing/2014/main" id="{FF59A6D4-A9EC-FC65-2B85-247C8A09A6F8}"/>
+              </a:ext>
+            </a:extLst>
+          </p:cNvPr>
+          <p:cNvSpPr txBox="1"/>
+          <p:nvPr/>
+        </p:nvSpPr>
+        <p:spPr>
+          <a:xfrm>
+            <a:off x="1073019" y="2046329"/>
+            <a:ext cx="5151318" cy="646331"/>
+          </a:xfrm>
+          <a:prstGeom prst="rect">
+            <a:avLst/>
+          </a:prstGeom>
+          <a:noFill/>
+        </p:spPr>
+        <p:txBody>
+          <a:bodyPr wrap="square" rtlCol="0">
+            <a:spAutoFit/>
+          </a:bodyPr>
+          <a:lstStyle/>
+          <a:p>
+            <a:r>
+              <a:rPr lang="en-US" dirty="0"/>
+              <a:t>If(){}</a:t>
+            </a:r>
+          </a:p>
+          <a:p>
+            <a:r>
+              <a:rPr lang="en-US" dirty="0"/>
+              <a:t>else{}</a:t>
+            </a:r>
+          </a:p>
+        </p:txBody>
+      </p:sp>
+      <p:sp>
+        <p:nvSpPr>
+          <p:cNvPr id="12" name="TextBox 11">
+            <a:extLst>
+              <a:ext uri="{FF2B5EF4-FFF2-40B4-BE49-F238E27FC236}">
+                <a16:creationId xmlns:a16="http://schemas.microsoft.com/office/drawing/2014/main" id="{A285D696-55C1-CFDA-5810-1514D3642AEE}"/>
+              </a:ext>
+            </a:extLst>
+          </p:cNvPr>
+          <p:cNvSpPr txBox="1"/>
+          <p:nvPr/>
+        </p:nvSpPr>
+        <p:spPr>
+          <a:xfrm>
+            <a:off x="1073019" y="2719326"/>
+            <a:ext cx="5151318" cy="646331"/>
+          </a:xfrm>
+          <a:prstGeom prst="rect">
+            <a:avLst/>
+          </a:prstGeom>
+          <a:noFill/>
+        </p:spPr>
+        <p:txBody>
+          <a:bodyPr wrap="square" rtlCol="0">
+            <a:spAutoFit/>
+          </a:bodyPr>
+          <a:lstStyle/>
+          <a:p>
+            <a:r>
+              <a:rPr lang="en-US" dirty="0"/>
+              <a:t>If(){}</a:t>
+            </a:r>
+          </a:p>
+          <a:p>
+            <a:r>
+              <a:rPr lang="en-US" dirty="0"/>
+              <a:t>else if(){}</a:t>
+            </a:r>
+          </a:p>
+        </p:txBody>
+      </p:sp>
+      <p:sp>
+        <p:nvSpPr>
+          <p:cNvPr id="13" name="TextBox 12">
+            <a:extLst>
+              <a:ext uri="{FF2B5EF4-FFF2-40B4-BE49-F238E27FC236}">
+                <a16:creationId xmlns:a16="http://schemas.microsoft.com/office/drawing/2014/main" id="{DCA0DA28-6ED8-4D49-4647-77F27C83D375}"/>
+              </a:ext>
+            </a:extLst>
+          </p:cNvPr>
+          <p:cNvSpPr txBox="1"/>
+          <p:nvPr/>
+        </p:nvSpPr>
+        <p:spPr>
+          <a:xfrm>
+            <a:off x="1103915" y="3525000"/>
+            <a:ext cx="5151318" cy="1754326"/>
+          </a:xfrm>
+          <a:prstGeom prst="rect">
+            <a:avLst/>
+          </a:prstGeom>
+          <a:noFill/>
+        </p:spPr>
+        <p:txBody>
+          <a:bodyPr wrap="square" rtlCol="0">
+            <a:spAutoFit/>
+          </a:bodyPr>
+          <a:lstStyle/>
+          <a:p>
+            <a:r>
+              <a:rPr lang="en-US" dirty="0"/>
+              <a:t>switch(x){</a:t>
+            </a:r>
+          </a:p>
+          <a:p>
+            <a:r>
+              <a:rPr lang="en-US" dirty="0"/>
+              <a:t>case 1: … </a:t>
+            </a:r>
+            <a:r>
+              <a:rPr lang="en-US" dirty="0" err="1"/>
+              <a:t>breack</a:t>
+            </a:r>
+            <a:r>
+              <a:rPr lang="en-US" dirty="0"/>
+              <a:t>;</a:t>
+            </a:r>
+          </a:p>
+          <a:p>
+            <a:r>
+              <a:rPr lang="en-US" dirty="0"/>
+              <a:t>case 2: … </a:t>
+            </a:r>
+            <a:r>
+              <a:rPr lang="en-US" dirty="0" err="1"/>
+              <a:t>breack</a:t>
+            </a:r>
+            <a:r>
+              <a:rPr lang="en-US" dirty="0"/>
+              <a:t>;</a:t>
+            </a:r>
+          </a:p>
+          <a:p>
+            <a:r>
+              <a:rPr lang="en-US" dirty="0"/>
+              <a:t>case 3: … </a:t>
+            </a:r>
+            <a:r>
+              <a:rPr lang="en-US" dirty="0" err="1"/>
+              <a:t>breack</a:t>
+            </a:r>
+            <a:r>
+              <a:rPr lang="en-US" dirty="0"/>
+              <a:t>;</a:t>
+            </a:r>
+          </a:p>
+          <a:p>
+            <a:r>
+              <a:rPr lang="en-US" dirty="0"/>
+              <a:t>default: ...</a:t>
             </a:r>
           </a:p>
           <a:p>
@@ -5275,135 +5638,13 @@
               <a:rPr lang="en-US" dirty="0"/>
               <a:t>}</a:t>
             </a:r>
-          </a:p>
-        </p:txBody>
-      </p:sp>
-      <p:sp>
-        <p:nvSpPr>
-          <p:cNvPr id="11" name="TextBox 10">
-            <a:extLst>
-              <a:ext uri="{FF2B5EF4-FFF2-40B4-BE49-F238E27FC236}">
-                <a16:creationId xmlns:a16="http://schemas.microsoft.com/office/drawing/2014/main" id="{140B649E-A212-C4CC-9913-613C9ABB2EB7}"/>
-              </a:ext>
-            </a:extLst>
-          </p:cNvPr>
-          <p:cNvSpPr txBox="1"/>
-          <p:nvPr/>
-        </p:nvSpPr>
-        <p:spPr>
-          <a:xfrm>
-            <a:off x="6354966" y="2093158"/>
-            <a:ext cx="5151318" cy="369332"/>
-          </a:xfrm>
-          <a:prstGeom prst="rect">
-            <a:avLst/>
-          </a:prstGeom>
-          <a:noFill/>
-        </p:spPr>
-        <p:txBody>
-          <a:bodyPr wrap="square" rtlCol="0">
-            <a:spAutoFit/>
-          </a:bodyPr>
-          <a:lstStyle/>
-          <a:p>
-            <a:pPr algn="r" rtl="1"/>
-            <a:r>
-              <a:rPr lang="fa-IR" dirty="0"/>
-              <a:t>حلقه با تکرار معین روی محتوای یک آرایه</a:t>
-            </a:r>
-            <a:endParaRPr lang="en-US" dirty="0"/>
-          </a:p>
-        </p:txBody>
-      </p:sp>
-      <p:sp>
-        <p:nvSpPr>
-          <p:cNvPr id="14" name="TextBox 13">
-            <a:extLst>
-              <a:ext uri="{FF2B5EF4-FFF2-40B4-BE49-F238E27FC236}">
-                <a16:creationId xmlns:a16="http://schemas.microsoft.com/office/drawing/2014/main" id="{FEC3DF8E-7E26-FDF2-BC8F-CB4BFC1EE0DE}"/>
-              </a:ext>
-            </a:extLst>
-          </p:cNvPr>
-          <p:cNvSpPr txBox="1"/>
-          <p:nvPr/>
-        </p:nvSpPr>
-        <p:spPr>
-          <a:xfrm>
-            <a:off x="1073019" y="3504499"/>
-            <a:ext cx="5151318" cy="923330"/>
-          </a:xfrm>
-          <a:prstGeom prst="rect">
-            <a:avLst/>
-          </a:prstGeom>
-          <a:noFill/>
-        </p:spPr>
-        <p:txBody>
-          <a:bodyPr wrap="square" rtlCol="0">
-            <a:spAutoFit/>
-          </a:bodyPr>
-          <a:lstStyle/>
-          <a:p>
-            <a:r>
-              <a:rPr lang="en-US" dirty="0"/>
-              <a:t>while(){</a:t>
-            </a:r>
-          </a:p>
-          <a:p>
-            <a:r>
-              <a:rPr lang="fa-IR" dirty="0"/>
-              <a:t>دستورات</a:t>
-            </a:r>
-            <a:endParaRPr lang="en-US" dirty="0"/>
-          </a:p>
-          <a:p>
-            <a:r>
-              <a:rPr lang="en-US" dirty="0"/>
-              <a:t>}</a:t>
-            </a:r>
-          </a:p>
-        </p:txBody>
-      </p:sp>
-      <p:sp>
-        <p:nvSpPr>
-          <p:cNvPr id="15" name="TextBox 14">
-            <a:extLst>
-              <a:ext uri="{FF2B5EF4-FFF2-40B4-BE49-F238E27FC236}">
-                <a16:creationId xmlns:a16="http://schemas.microsoft.com/office/drawing/2014/main" id="{FB26DA7B-9737-01C2-1981-0CCB59ED9240}"/>
-              </a:ext>
-            </a:extLst>
-          </p:cNvPr>
-          <p:cNvSpPr txBox="1"/>
-          <p:nvPr/>
-        </p:nvSpPr>
-        <p:spPr>
-          <a:xfrm>
-            <a:off x="6420281" y="3429000"/>
-            <a:ext cx="5151318" cy="369332"/>
-          </a:xfrm>
-          <a:prstGeom prst="rect">
-            <a:avLst/>
-          </a:prstGeom>
-          <a:noFill/>
-        </p:spPr>
-        <p:txBody>
-          <a:bodyPr wrap="square" rtlCol="0">
-            <a:spAutoFit/>
-          </a:bodyPr>
-          <a:lstStyle/>
-          <a:p>
-            <a:pPr algn="r" rtl="1"/>
-            <a:r>
-              <a:rPr lang="fa-IR" dirty="0"/>
-              <a:t>حلقه با تکرار نا معین</a:t>
-            </a:r>
-            <a:endParaRPr lang="en-US" dirty="0"/>
           </a:p>
         </p:txBody>
       </p:sp>
     </p:spTree>
     <p:extLst>
       <p:ext uri="{BB962C8B-B14F-4D97-AF65-F5344CB8AC3E}">
-        <p14:creationId xmlns:p14="http://schemas.microsoft.com/office/powerpoint/2010/main" val="2537721768"/>
+        <p14:creationId xmlns:p14="http://schemas.microsoft.com/office/powerpoint/2010/main" val="2295180487"/>
       </p:ext>
     </p:extLst>
   </p:cSld>
@@ -5445,75 +5686,37 @@
         <p:spPr>
           <a:xfrm>
             <a:off x="1073019" y="1450383"/>
-            <a:ext cx="1324948" cy="3416320"/>
-          </a:xfrm>
-          <a:prstGeom prst="rect">
-            <a:avLst/>
-          </a:prstGeom>
-          <a:noFill/>
-        </p:spPr>
-        <p:txBody>
-          <a:bodyPr wrap="square" rtlCol="0">
-            <a:spAutoFit/>
-          </a:bodyPr>
-          <a:lstStyle/>
-          <a:p>
-            <a:r>
-              <a:rPr lang="en-US" dirty="0"/>
-              <a:t>try</a:t>
-            </a:r>
-          </a:p>
-          <a:p>
-            <a:r>
-              <a:rPr lang="en-US" dirty="0"/>
-              <a:t>{</a:t>
-            </a:r>
-          </a:p>
-          <a:p>
-            <a:endParaRPr lang="en-US" dirty="0"/>
-          </a:p>
-          <a:p>
-            <a:r>
-              <a:rPr lang="en-US" dirty="0"/>
-              <a:t>}</a:t>
-            </a:r>
-          </a:p>
-          <a:p>
-            <a:r>
-              <a:rPr lang="en-US" dirty="0" err="1"/>
-              <a:t>cach</a:t>
-            </a:r>
-            <a:endParaRPr lang="en-US" dirty="0"/>
-          </a:p>
-          <a:p>
-            <a:r>
-              <a:rPr lang="en-US" dirty="0"/>
-              <a:t>{</a:t>
-            </a:r>
-          </a:p>
-          <a:p>
-            <a:endParaRPr lang="en-US" dirty="0"/>
-          </a:p>
-          <a:p>
-            <a:r>
-              <a:rPr lang="en-US" dirty="0"/>
-              <a:t>}</a:t>
-            </a:r>
-          </a:p>
-          <a:p>
-            <a:r>
-              <a:rPr lang="en-US" dirty="0" err="1"/>
-              <a:t>finaly</a:t>
-            </a:r>
-            <a:endParaRPr lang="en-US" dirty="0"/>
-          </a:p>
-          <a:p>
-            <a:r>
-              <a:rPr lang="en-US" dirty="0"/>
-              <a:t>{</a:t>
-            </a:r>
-          </a:p>
-          <a:p>
+            <a:ext cx="5151318" cy="923330"/>
+          </a:xfrm>
+          <a:prstGeom prst="rect">
+            <a:avLst/>
+          </a:prstGeom>
+          <a:noFill/>
+        </p:spPr>
+        <p:txBody>
+          <a:bodyPr wrap="square" rtlCol="0">
+            <a:spAutoFit/>
+          </a:bodyPr>
+          <a:lstStyle/>
+          <a:p>
+            <a:r>
+              <a:rPr lang="en-US" dirty="0"/>
+              <a:t>for(var </a:t>
+            </a:r>
+            <a:r>
+              <a:rPr lang="en-US" dirty="0" err="1"/>
+              <a:t>i</a:t>
+            </a:r>
+            <a:r>
+              <a:rPr lang="en-US" dirty="0"/>
+              <a:t>=0;i&lt;=10;i++){</a:t>
+            </a:r>
+          </a:p>
+          <a:p>
+            <a:r>
+              <a:rPr lang="fa-IR" dirty="0"/>
+              <a:t>دستورات</a:t>
+            </a:r>
             <a:endParaRPr lang="en-US" dirty="0"/>
           </a:p>
           <a:p>
@@ -5555,7 +5758,7 @@
             <a:pPr algn="r" rtl="1"/>
             <a:r>
               <a:rPr lang="fa-IR" dirty="0"/>
-              <a:t>در صورت بروز خطا در حین اجرا</a:t>
+              <a:t>حلقه با تکرار معین</a:t>
             </a:r>
             <a:endParaRPr lang="en-US" dirty="0"/>
           </a:p>
@@ -5592,7 +5795,7 @@
             <a:pPr algn="r" rtl="1"/>
             <a:r>
               <a:rPr lang="fa-IR" dirty="0"/>
-              <a:t>مدیریت خطا</a:t>
+              <a:t>حلقه ها</a:t>
             </a:r>
             <a:endParaRPr lang="en-US" dirty="0"/>
           </a:p>
@@ -5600,196 +5803,212 @@
       </p:sp>
       <p:sp>
         <p:nvSpPr>
-          <p:cNvPr id="2" name="TextBox 1">
-            <a:extLst>
-              <a:ext uri="{FF2B5EF4-FFF2-40B4-BE49-F238E27FC236}">
-                <a16:creationId xmlns:a16="http://schemas.microsoft.com/office/drawing/2014/main" id="{0DA761C4-7C8F-0495-9A84-33D8A3D26B6E}"/>
-              </a:ext>
-            </a:extLst>
-          </p:cNvPr>
-          <p:cNvSpPr txBox="1"/>
-          <p:nvPr/>
-        </p:nvSpPr>
-        <p:spPr>
-          <a:xfrm>
-            <a:off x="3377680" y="1450383"/>
-            <a:ext cx="2977286" cy="3416320"/>
-          </a:xfrm>
-          <a:prstGeom prst="rect">
-            <a:avLst/>
-          </a:prstGeom>
-          <a:noFill/>
-        </p:spPr>
-        <p:txBody>
-          <a:bodyPr wrap="square" rtlCol="0">
-            <a:spAutoFit/>
-          </a:bodyPr>
-          <a:lstStyle/>
-          <a:p>
-            <a:r>
-              <a:rPr lang="en-US" dirty="0"/>
-              <a:t>try</a:t>
-            </a:r>
-          </a:p>
-          <a:p>
-            <a:r>
-              <a:rPr lang="en-US" dirty="0"/>
-              <a:t>{</a:t>
-            </a:r>
-          </a:p>
-          <a:p>
+          <p:cNvPr id="10" name="TextBox 9">
+            <a:extLst>
+              <a:ext uri="{FF2B5EF4-FFF2-40B4-BE49-F238E27FC236}">
+                <a16:creationId xmlns:a16="http://schemas.microsoft.com/office/drawing/2014/main" id="{5372208E-B5C2-C617-BD1E-3E10014CFC1E}"/>
+              </a:ext>
+            </a:extLst>
+          </p:cNvPr>
+          <p:cNvSpPr txBox="1"/>
+          <p:nvPr/>
+        </p:nvSpPr>
+        <p:spPr>
+          <a:xfrm>
+            <a:off x="1073019" y="2304170"/>
+            <a:ext cx="5151318" cy="1200329"/>
+          </a:xfrm>
+          <a:prstGeom prst="rect">
+            <a:avLst/>
+          </a:prstGeom>
+          <a:noFill/>
+        </p:spPr>
+        <p:txBody>
+          <a:bodyPr wrap="square" rtlCol="0">
+            <a:spAutoFit/>
+          </a:bodyPr>
+          <a:lstStyle/>
+          <a:p>
+            <a:r>
+              <a:rPr lang="en-US" dirty="0"/>
+              <a:t>var names=[“</a:t>
+            </a:r>
+            <a:r>
+              <a:rPr lang="en-US" dirty="0" err="1"/>
+              <a:t>ali</a:t>
+            </a:r>
+            <a:r>
+              <a:rPr lang="en-US" dirty="0"/>
+              <a:t>”,”</a:t>
+            </a:r>
+            <a:r>
+              <a:rPr lang="en-US" dirty="0" err="1"/>
+              <a:t>hasan</a:t>
+            </a:r>
+            <a:r>
+              <a:rPr lang="en-US" dirty="0"/>
+              <a:t>”,</a:t>
+            </a:r>
+            <a:r>
+              <a:rPr lang="en-US" dirty="0" err="1"/>
+              <a:t>taghi</a:t>
+            </a:r>
+            <a:r>
+              <a:rPr lang="en-US" dirty="0"/>
+              <a:t>”];</a:t>
+            </a:r>
+            <a:endParaRPr lang="fa-IR" dirty="0"/>
+          </a:p>
+          <a:p>
+            <a:r>
+              <a:rPr lang="en-US" dirty="0"/>
+              <a:t>for(n in names){</a:t>
+            </a:r>
+          </a:p>
+          <a:p>
+            <a:r>
+              <a:rPr lang="en-US" dirty="0" err="1"/>
+              <a:t>alesrt</a:t>
+            </a:r>
+            <a:r>
+              <a:rPr lang="en-US" dirty="0"/>
+              <a:t>(names[n]);</a:t>
+            </a:r>
+          </a:p>
+          <a:p>
+            <a:r>
+              <a:rPr lang="en-US" dirty="0"/>
+              <a:t>}</a:t>
+            </a:r>
+          </a:p>
+        </p:txBody>
+      </p:sp>
+      <p:sp>
+        <p:nvSpPr>
+          <p:cNvPr id="11" name="TextBox 10">
+            <a:extLst>
+              <a:ext uri="{FF2B5EF4-FFF2-40B4-BE49-F238E27FC236}">
+                <a16:creationId xmlns:a16="http://schemas.microsoft.com/office/drawing/2014/main" id="{140B649E-A212-C4CC-9913-613C9ABB2EB7}"/>
+              </a:ext>
+            </a:extLst>
+          </p:cNvPr>
+          <p:cNvSpPr txBox="1"/>
+          <p:nvPr/>
+        </p:nvSpPr>
+        <p:spPr>
+          <a:xfrm>
+            <a:off x="6354966" y="2093158"/>
+            <a:ext cx="5151318" cy="369332"/>
+          </a:xfrm>
+          <a:prstGeom prst="rect">
+            <a:avLst/>
+          </a:prstGeom>
+          <a:noFill/>
+        </p:spPr>
+        <p:txBody>
+          <a:bodyPr wrap="square" rtlCol="0">
+            <a:spAutoFit/>
+          </a:bodyPr>
+          <a:lstStyle/>
+          <a:p>
+            <a:pPr algn="r" rtl="1"/>
+            <a:r>
+              <a:rPr lang="fa-IR" dirty="0"/>
+              <a:t>حلقه با تکرار معین روی محتوای یک آرایه</a:t>
+            </a:r>
             <a:endParaRPr lang="en-US" dirty="0"/>
           </a:p>
+        </p:txBody>
+      </p:sp>
+      <p:sp>
+        <p:nvSpPr>
+          <p:cNvPr id="14" name="TextBox 13">
+            <a:extLst>
+              <a:ext uri="{FF2B5EF4-FFF2-40B4-BE49-F238E27FC236}">
+                <a16:creationId xmlns:a16="http://schemas.microsoft.com/office/drawing/2014/main" id="{FEC3DF8E-7E26-FDF2-BC8F-CB4BFC1EE0DE}"/>
+              </a:ext>
+            </a:extLst>
+          </p:cNvPr>
+          <p:cNvSpPr txBox="1"/>
+          <p:nvPr/>
+        </p:nvSpPr>
+        <p:spPr>
+          <a:xfrm>
+            <a:off x="1073019" y="3504499"/>
+            <a:ext cx="5151318" cy="923330"/>
+          </a:xfrm>
+          <a:prstGeom prst="rect">
+            <a:avLst/>
+          </a:prstGeom>
+          <a:noFill/>
+        </p:spPr>
+        <p:txBody>
+          <a:bodyPr wrap="square" rtlCol="0">
+            <a:spAutoFit/>
+          </a:bodyPr>
+          <a:lstStyle/>
+          <a:p>
+            <a:r>
+              <a:rPr lang="en-US" dirty="0"/>
+              <a:t>while(){</a:t>
+            </a:r>
+          </a:p>
+          <a:p>
+            <a:r>
+              <a:rPr lang="fa-IR" dirty="0"/>
+              <a:t>دستورات</a:t>
+            </a:r>
+            <a:endParaRPr lang="en-US" dirty="0"/>
+          </a:p>
           <a:p>
             <a:r>
               <a:rPr lang="en-US" dirty="0"/>
               <a:t>}</a:t>
             </a:r>
           </a:p>
-          <a:p>
-            <a:r>
-              <a:rPr lang="en-US" dirty="0" err="1"/>
-              <a:t>Cach</a:t>
-            </a:r>
-            <a:r>
-              <a:rPr lang="en-US" dirty="0"/>
-              <a:t>(err)</a:t>
-            </a:r>
-          </a:p>
-          <a:p>
-            <a:r>
-              <a:rPr lang="en-US" dirty="0"/>
-              <a:t>{</a:t>
-            </a:r>
-          </a:p>
-          <a:p>
-            <a:r>
-              <a:rPr lang="en-US" dirty="0"/>
-              <a:t>consol.log(</a:t>
-            </a:r>
-            <a:r>
-              <a:rPr lang="en-US" dirty="0" err="1"/>
-              <a:t>err.message</a:t>
-            </a:r>
-            <a:r>
-              <a:rPr lang="en-US" dirty="0"/>
-              <a:t>);</a:t>
-            </a:r>
-          </a:p>
-          <a:p>
-            <a:r>
-              <a:rPr lang="en-US" dirty="0"/>
-              <a:t>}</a:t>
-            </a:r>
-          </a:p>
-          <a:p>
-            <a:r>
-              <a:rPr lang="en-US" dirty="0" err="1"/>
-              <a:t>finaly</a:t>
+        </p:txBody>
+      </p:sp>
+      <p:sp>
+        <p:nvSpPr>
+          <p:cNvPr id="15" name="TextBox 14">
+            <a:extLst>
+              <a:ext uri="{FF2B5EF4-FFF2-40B4-BE49-F238E27FC236}">
+                <a16:creationId xmlns:a16="http://schemas.microsoft.com/office/drawing/2014/main" id="{FB26DA7B-9737-01C2-1981-0CCB59ED9240}"/>
+              </a:ext>
+            </a:extLst>
+          </p:cNvPr>
+          <p:cNvSpPr txBox="1"/>
+          <p:nvPr/>
+        </p:nvSpPr>
+        <p:spPr>
+          <a:xfrm>
+            <a:off x="6420281" y="3429000"/>
+            <a:ext cx="5151318" cy="369332"/>
+          </a:xfrm>
+          <a:prstGeom prst="rect">
+            <a:avLst/>
+          </a:prstGeom>
+          <a:noFill/>
+        </p:spPr>
+        <p:txBody>
+          <a:bodyPr wrap="square" rtlCol="0">
+            <a:spAutoFit/>
+          </a:bodyPr>
+          <a:lstStyle/>
+          <a:p>
+            <a:pPr algn="r" rtl="1"/>
+            <a:r>
+              <a:rPr lang="fa-IR" dirty="0"/>
+              <a:t>حلقه با تکرار نا معین</a:t>
             </a:r>
             <a:endParaRPr lang="en-US" dirty="0"/>
-          </a:p>
-          <a:p>
-            <a:r>
-              <a:rPr lang="en-US" dirty="0"/>
-              <a:t>{</a:t>
-            </a:r>
-          </a:p>
-          <a:p>
-            <a:endParaRPr lang="en-US" dirty="0"/>
-          </a:p>
-          <a:p>
-            <a:r>
-              <a:rPr lang="en-US" dirty="0"/>
-              <a:t>}</a:t>
-            </a:r>
-          </a:p>
-        </p:txBody>
-      </p:sp>
-      <p:sp>
-        <p:nvSpPr>
-          <p:cNvPr id="5" name="TextBox 4">
-            <a:extLst>
-              <a:ext uri="{FF2B5EF4-FFF2-40B4-BE49-F238E27FC236}">
-                <a16:creationId xmlns:a16="http://schemas.microsoft.com/office/drawing/2014/main" id="{83013E9D-5E52-794D-0E23-033046932C83}"/>
-              </a:ext>
-            </a:extLst>
-          </p:cNvPr>
-          <p:cNvSpPr txBox="1"/>
-          <p:nvPr/>
-        </p:nvSpPr>
-        <p:spPr>
-          <a:xfrm>
-            <a:off x="6429610" y="5331917"/>
-            <a:ext cx="5151318" cy="369332"/>
-          </a:xfrm>
-          <a:prstGeom prst="rect">
-            <a:avLst/>
-          </a:prstGeom>
-          <a:noFill/>
-        </p:spPr>
-        <p:txBody>
-          <a:bodyPr wrap="square" rtlCol="0">
-            <a:spAutoFit/>
-          </a:bodyPr>
-          <a:lstStyle/>
-          <a:p>
-            <a:pPr algn="r" rtl="1"/>
-            <a:r>
-              <a:rPr lang="fa-IR" dirty="0"/>
-              <a:t>دیباگ و اجرای خط به خط کدهای </a:t>
-            </a:r>
-            <a:r>
-              <a:rPr lang="en-US" dirty="0" err="1"/>
-              <a:t>js</a:t>
-            </a:r>
-            <a:r>
-              <a:rPr lang="fa-IR" dirty="0"/>
-              <a:t> در کنسول</a:t>
-            </a:r>
-            <a:endParaRPr lang="en-US" dirty="0"/>
-          </a:p>
-        </p:txBody>
-      </p:sp>
-      <p:sp>
-        <p:nvSpPr>
-          <p:cNvPr id="6" name="TextBox 5">
-            <a:extLst>
-              <a:ext uri="{FF2B5EF4-FFF2-40B4-BE49-F238E27FC236}">
-                <a16:creationId xmlns:a16="http://schemas.microsoft.com/office/drawing/2014/main" id="{515C93BE-F527-78F1-277B-6C63FE7DBF02}"/>
-              </a:ext>
-            </a:extLst>
-          </p:cNvPr>
-          <p:cNvSpPr txBox="1"/>
-          <p:nvPr/>
-        </p:nvSpPr>
-        <p:spPr>
-          <a:xfrm>
-            <a:off x="1073019" y="5516583"/>
-            <a:ext cx="5151318" cy="369332"/>
-          </a:xfrm>
-          <a:prstGeom prst="rect">
-            <a:avLst/>
-          </a:prstGeom>
-          <a:noFill/>
-        </p:spPr>
-        <p:txBody>
-          <a:bodyPr wrap="square" rtlCol="0">
-            <a:spAutoFit/>
-          </a:bodyPr>
-          <a:lstStyle/>
-          <a:p>
-            <a:r>
-              <a:rPr lang="en-US" dirty="0"/>
-              <a:t>debugger;</a:t>
-            </a:r>
           </a:p>
         </p:txBody>
       </p:sp>
     </p:spTree>
     <p:extLst>
       <p:ext uri="{BB962C8B-B14F-4D97-AF65-F5344CB8AC3E}">
-        <p14:creationId xmlns:p14="http://schemas.microsoft.com/office/powerpoint/2010/main" val="3480932453"/>
+        <p14:creationId xmlns:p14="http://schemas.microsoft.com/office/powerpoint/2010/main" val="2537721768"/>
       </p:ext>
     </p:extLst>
   </p:cSld>
@@ -5830,74 +6049,33 @@
         </p:nvSpPr>
         <p:spPr>
           <a:xfrm>
-            <a:off x="895738" y="1798117"/>
-            <a:ext cx="8388222" cy="1754326"/>
-          </a:xfrm>
-          <a:prstGeom prst="rect">
-            <a:avLst/>
-          </a:prstGeom>
-          <a:noFill/>
-        </p:spPr>
-        <p:txBody>
-          <a:bodyPr wrap="square" rtlCol="0">
-            <a:spAutoFit/>
-          </a:bodyPr>
-          <a:lstStyle/>
-          <a:p>
-            <a:r>
-              <a:rPr lang="en-US" dirty="0"/>
-              <a:t>&lt;form name=“</a:t>
-            </a:r>
-            <a:r>
-              <a:rPr lang="en-US" dirty="0" err="1"/>
-              <a:t>myform</a:t>
-            </a:r>
-            <a:r>
-              <a:rPr lang="en-US" dirty="0"/>
-              <a:t>” action=“/test” method=“POST” </a:t>
-            </a:r>
-            <a:r>
-              <a:rPr lang="en-US" dirty="0" err="1"/>
-              <a:t>onsubmit</a:t>
-            </a:r>
-            <a:r>
-              <a:rPr lang="en-US" dirty="0"/>
-              <a:t>=return </a:t>
-            </a:r>
-            <a:r>
-              <a:rPr lang="en-US" dirty="0" err="1"/>
-              <a:t>myfunc</a:t>
-            </a:r>
-            <a:r>
-              <a:rPr lang="en-US" dirty="0"/>
-              <a:t>()”&gt;</a:t>
-            </a:r>
-          </a:p>
-          <a:p>
-            <a:r>
-              <a:rPr lang="en-US" dirty="0"/>
-              <a:t>&lt;script&gt;</a:t>
-            </a:r>
-          </a:p>
-          <a:p>
-            <a:r>
-              <a:rPr lang="en-US" dirty="0"/>
-              <a:t>function </a:t>
-            </a:r>
-            <a:r>
-              <a:rPr lang="en-US" dirty="0" err="1"/>
-              <a:t>myfunc</a:t>
-            </a:r>
-            <a:r>
-              <a:rPr lang="en-US" dirty="0"/>
-              <a:t>(){</a:t>
-            </a:r>
-          </a:p>
-          <a:p>
-            <a:r>
-              <a:rPr lang="en-US" dirty="0"/>
-              <a:t>return false;</a:t>
-            </a:r>
+            <a:off x="1073019" y="1450383"/>
+            <a:ext cx="1324948" cy="3416320"/>
+          </a:xfrm>
+          <a:prstGeom prst="rect">
+            <a:avLst/>
+          </a:prstGeom>
+          <a:noFill/>
+        </p:spPr>
+        <p:txBody>
+          <a:bodyPr wrap="square" rtlCol="0">
+            <a:spAutoFit/>
+          </a:bodyPr>
+          <a:lstStyle/>
+          <a:p>
+            <a:r>
+              <a:rPr lang="en-US" dirty="0"/>
+              <a:t>try</a:t>
+            </a:r>
+          </a:p>
+          <a:p>
+            <a:r>
+              <a:rPr lang="en-US" dirty="0"/>
+              <a:t>{</a:t>
+            </a:r>
+          </a:p>
+          <a:p>
+            <a:endParaRPr lang="en-US" dirty="0"/>
           </a:p>
           <a:p>
             <a:r>
@@ -5907,8 +6085,46 @@
           </a:p>
           <a:p>
             <a:r>
-              <a:rPr lang="en-US" dirty="0"/>
-              <a:t>&lt;/script&gt;</a:t>
+              <a:rPr lang="en-US" dirty="0" err="1"/>
+              <a:t>cach</a:t>
+            </a:r>
+            <a:endParaRPr lang="en-US" dirty="0"/>
+          </a:p>
+          <a:p>
+            <a:r>
+              <a:rPr lang="en-US" dirty="0"/>
+              <a:t>{</a:t>
+            </a:r>
+          </a:p>
+          <a:p>
+            <a:endParaRPr lang="en-US" dirty="0"/>
+          </a:p>
+          <a:p>
+            <a:r>
+              <a:rPr lang="en-US" dirty="0"/>
+              <a:t>}</a:t>
+            </a:r>
+          </a:p>
+          <a:p>
+            <a:r>
+              <a:rPr lang="en-US" dirty="0" err="1"/>
+              <a:t>finaly</a:t>
+            </a:r>
+            <a:endParaRPr lang="en-US" dirty="0"/>
+          </a:p>
+          <a:p>
+            <a:r>
+              <a:rPr lang="en-US" dirty="0"/>
+              <a:t>{</a:t>
+            </a:r>
+          </a:p>
+          <a:p>
+            <a:endParaRPr lang="en-US" dirty="0"/>
+          </a:p>
+          <a:p>
+            <a:r>
+              <a:rPr lang="en-US" dirty="0"/>
+              <a:t>}</a:t>
             </a:r>
           </a:p>
         </p:txBody>
@@ -5944,7 +6160,7 @@
             <a:pPr algn="r" rtl="1"/>
             <a:r>
               <a:rPr lang="fa-IR" dirty="0"/>
-              <a:t>ارتباط با دکمه ارسال</a:t>
+              <a:t>در صورت بروز خطا در حین اجرا</a:t>
             </a:r>
             <a:endParaRPr lang="en-US" dirty="0"/>
           </a:p>
@@ -5981,7 +6197,7 @@
             <a:pPr algn="r" rtl="1"/>
             <a:r>
               <a:rPr lang="fa-IR" dirty="0"/>
-              <a:t>کنترل فرم ها</a:t>
+              <a:t>مدیریت خطا</a:t>
             </a:r>
             <a:endParaRPr lang="en-US" dirty="0"/>
           </a:p>
@@ -5989,84 +6205,127 @@
       </p:sp>
       <p:sp>
         <p:nvSpPr>
-          <p:cNvPr id="14" name="TextBox 13">
-            <a:extLst>
-              <a:ext uri="{FF2B5EF4-FFF2-40B4-BE49-F238E27FC236}">
-                <a16:creationId xmlns:a16="http://schemas.microsoft.com/office/drawing/2014/main" id="{FEC3DF8E-7E26-FDF2-BC8F-CB4BFC1EE0DE}"/>
-              </a:ext>
-            </a:extLst>
-          </p:cNvPr>
-          <p:cNvSpPr txBox="1"/>
-          <p:nvPr/>
-        </p:nvSpPr>
-        <p:spPr>
-          <a:xfrm>
-            <a:off x="944682" y="3936972"/>
-            <a:ext cx="5151318" cy="646331"/>
-          </a:xfrm>
-          <a:prstGeom prst="rect">
-            <a:avLst/>
-          </a:prstGeom>
-          <a:noFill/>
-        </p:spPr>
-        <p:txBody>
-          <a:bodyPr wrap="square" rtlCol="0">
-            <a:spAutoFit/>
-          </a:bodyPr>
-          <a:lstStyle/>
-          <a:p>
-            <a:r>
-              <a:rPr lang="en-US" dirty="0"/>
-              <a:t>var x=</a:t>
-            </a:r>
-            <a:r>
-              <a:rPr lang="en-US" dirty="0" err="1"/>
-              <a:t>document.forms</a:t>
-            </a:r>
-            <a:r>
-              <a:rPr lang="en-US" dirty="0"/>
-              <a:t>[“</a:t>
-            </a:r>
-            <a:r>
-              <a:rPr lang="en-US" dirty="0" err="1"/>
-              <a:t>myform</a:t>
-            </a:r>
-            <a:r>
-              <a:rPr lang="en-US" dirty="0"/>
-              <a:t>”][“</a:t>
-            </a:r>
-            <a:r>
-              <a:rPr lang="en-US" dirty="0" err="1"/>
-              <a:t>fname</a:t>
-            </a:r>
-            <a:r>
-              <a:rPr lang="en-US" dirty="0"/>
-              <a:t>”].value;</a:t>
-            </a:r>
-          </a:p>
-          <a:p>
-            <a:r>
-              <a:rPr lang="en-US" dirty="0"/>
-              <a:t>If(x==“”) {… return false;}</a:t>
-            </a:r>
-          </a:p>
-        </p:txBody>
-      </p:sp>
-      <p:sp>
-        <p:nvSpPr>
-          <p:cNvPr id="15" name="TextBox 14">
-            <a:extLst>
-              <a:ext uri="{FF2B5EF4-FFF2-40B4-BE49-F238E27FC236}">
-                <a16:creationId xmlns:a16="http://schemas.microsoft.com/office/drawing/2014/main" id="{FB26DA7B-9737-01C2-1981-0CCB59ED9240}"/>
-              </a:ext>
-            </a:extLst>
-          </p:cNvPr>
-          <p:cNvSpPr txBox="1"/>
-          <p:nvPr/>
-        </p:nvSpPr>
-        <p:spPr>
-          <a:xfrm>
-            <a:off x="6420281" y="3429000"/>
+          <p:cNvPr id="2" name="TextBox 1">
+            <a:extLst>
+              <a:ext uri="{FF2B5EF4-FFF2-40B4-BE49-F238E27FC236}">
+                <a16:creationId xmlns:a16="http://schemas.microsoft.com/office/drawing/2014/main" id="{0DA761C4-7C8F-0495-9A84-33D8A3D26B6E}"/>
+              </a:ext>
+            </a:extLst>
+          </p:cNvPr>
+          <p:cNvSpPr txBox="1"/>
+          <p:nvPr/>
+        </p:nvSpPr>
+        <p:spPr>
+          <a:xfrm>
+            <a:off x="3377680" y="1450383"/>
+            <a:ext cx="2977286" cy="3416320"/>
+          </a:xfrm>
+          <a:prstGeom prst="rect">
+            <a:avLst/>
+          </a:prstGeom>
+          <a:noFill/>
+        </p:spPr>
+        <p:txBody>
+          <a:bodyPr wrap="square" rtlCol="0">
+            <a:spAutoFit/>
+          </a:bodyPr>
+          <a:lstStyle/>
+          <a:p>
+            <a:r>
+              <a:rPr lang="en-US" dirty="0"/>
+              <a:t>try</a:t>
+            </a:r>
+          </a:p>
+          <a:p>
+            <a:r>
+              <a:rPr lang="en-US" dirty="0"/>
+              <a:t>{</a:t>
+            </a:r>
+          </a:p>
+          <a:p>
+            <a:endParaRPr lang="en-US" dirty="0"/>
+          </a:p>
+          <a:p>
+            <a:r>
+              <a:rPr lang="en-US" dirty="0"/>
+              <a:t>}</a:t>
+            </a:r>
+          </a:p>
+          <a:p>
+            <a:r>
+              <a:rPr lang="en-US" dirty="0" err="1"/>
+              <a:t>Cach</a:t>
+            </a:r>
+            <a:r>
+              <a:rPr lang="en-US" dirty="0"/>
+              <a:t>(err)</a:t>
+            </a:r>
+          </a:p>
+          <a:p>
+            <a:r>
+              <a:rPr lang="en-US" dirty="0"/>
+              <a:t>{</a:t>
+            </a:r>
+          </a:p>
+          <a:p>
+            <a:r>
+              <a:rPr lang="en-US" dirty="0"/>
+              <a:t>consol.log(</a:t>
+            </a:r>
+            <a:r>
+              <a:rPr lang="en-US" dirty="0" err="1"/>
+              <a:t>err.message</a:t>
+            </a:r>
+            <a:r>
+              <a:rPr lang="en-US" dirty="0"/>
+              <a:t>);</a:t>
+            </a:r>
+          </a:p>
+          <a:p>
+            <a:r>
+              <a:rPr lang="en-US" dirty="0"/>
+              <a:t>}</a:t>
+            </a:r>
+          </a:p>
+          <a:p>
+            <a:r>
+              <a:rPr lang="en-US" dirty="0" err="1"/>
+              <a:t>finaly</a:t>
+            </a:r>
+            <a:endParaRPr lang="en-US" dirty="0"/>
+          </a:p>
+          <a:p>
+            <a:r>
+              <a:rPr lang="en-US" dirty="0"/>
+              <a:t>{</a:t>
+            </a:r>
+          </a:p>
+          <a:p>
+            <a:endParaRPr lang="en-US" dirty="0"/>
+          </a:p>
+          <a:p>
+            <a:r>
+              <a:rPr lang="en-US" dirty="0"/>
+              <a:t>}</a:t>
+            </a:r>
+          </a:p>
+        </p:txBody>
+      </p:sp>
+      <p:sp>
+        <p:nvSpPr>
+          <p:cNvPr id="5" name="TextBox 4">
+            <a:extLst>
+              <a:ext uri="{FF2B5EF4-FFF2-40B4-BE49-F238E27FC236}">
+                <a16:creationId xmlns:a16="http://schemas.microsoft.com/office/drawing/2014/main" id="{83013E9D-5E52-794D-0E23-033046932C83}"/>
+              </a:ext>
+            </a:extLst>
+          </p:cNvPr>
+          <p:cNvSpPr txBox="1"/>
+          <p:nvPr/>
+        </p:nvSpPr>
+        <p:spPr>
+          <a:xfrm>
+            <a:off x="6429610" y="5331917"/>
             <a:ext cx="5151318" cy="369332"/>
           </a:xfrm>
           <a:prstGeom prst="rect">
@@ -6083,16 +6342,59 @@
             <a:pPr algn="r" rtl="1"/>
             <a:r>
               <a:rPr lang="fa-IR" dirty="0"/>
-              <a:t>اتبارسنجی</a:t>
+              <a:t>دیباگ و اجرای خط به خط کدهای </a:t>
+            </a:r>
+            <a:r>
+              <a:rPr lang="en-US" dirty="0" err="1"/>
+              <a:t>js</a:t>
+            </a:r>
+            <a:r>
+              <a:rPr lang="fa-IR" dirty="0"/>
+              <a:t> در کنسول</a:t>
             </a:r>
             <a:endParaRPr lang="en-US" dirty="0"/>
+          </a:p>
+        </p:txBody>
+      </p:sp>
+      <p:sp>
+        <p:nvSpPr>
+          <p:cNvPr id="6" name="TextBox 5">
+            <a:extLst>
+              <a:ext uri="{FF2B5EF4-FFF2-40B4-BE49-F238E27FC236}">
+                <a16:creationId xmlns:a16="http://schemas.microsoft.com/office/drawing/2014/main" id="{515C93BE-F527-78F1-277B-6C63FE7DBF02}"/>
+              </a:ext>
+            </a:extLst>
+          </p:cNvPr>
+          <p:cNvSpPr txBox="1"/>
+          <p:nvPr/>
+        </p:nvSpPr>
+        <p:spPr>
+          <a:xfrm>
+            <a:off x="1073019" y="5516583"/>
+            <a:ext cx="5151318" cy="369332"/>
+          </a:xfrm>
+          <a:prstGeom prst="rect">
+            <a:avLst/>
+          </a:prstGeom>
+          <a:noFill/>
+        </p:spPr>
+        <p:txBody>
+          <a:bodyPr wrap="square" rtlCol="0">
+            <a:spAutoFit/>
+          </a:bodyPr>
+          <a:lstStyle/>
+          <a:p>
+            <a:r>
+              <a:rPr lang="en-US" dirty="0"/>
+              <a:t>debugger;</a:t>
+            </a:r>
           </a:p>
         </p:txBody>
       </p:sp>
     </p:spTree>
     <p:extLst>
       <p:ext uri="{BB962C8B-B14F-4D97-AF65-F5344CB8AC3E}">
-        <p14:creationId xmlns:p14="http://schemas.microsoft.com/office/powerpoint/2010/main" val="218955460"/>
+        <p14:creationId xmlns:p14="http://schemas.microsoft.com/office/powerpoint/2010/main" val="3480932453"/>
       </p:ext>
     </p:extLst>
   </p:cSld>
@@ -6133,25 +6435,86 @@
         </p:nvSpPr>
         <p:spPr>
           <a:xfrm>
-            <a:off x="837372" y="1114991"/>
-            <a:ext cx="8388222" cy="369332"/>
-          </a:xfrm>
-          <a:prstGeom prst="rect">
-            <a:avLst/>
-          </a:prstGeom>
-          <a:noFill/>
-        </p:spPr>
-        <p:txBody>
-          <a:bodyPr wrap="square" rtlCol="0">
-            <a:spAutoFit/>
-          </a:bodyPr>
-          <a:lstStyle/>
-          <a:p>
-            <a:r>
-              <a:rPr lang="en-US" dirty="0" err="1"/>
-              <a:t>window.innerWidth</a:t>
-            </a:r>
-            <a:endParaRPr lang="en-US" dirty="0"/>
+            <a:off x="895738" y="1798117"/>
+            <a:ext cx="8388222" cy="1754326"/>
+          </a:xfrm>
+          <a:prstGeom prst="rect">
+            <a:avLst/>
+          </a:prstGeom>
+          <a:noFill/>
+        </p:spPr>
+        <p:txBody>
+          <a:bodyPr wrap="square" rtlCol="0">
+            <a:spAutoFit/>
+          </a:bodyPr>
+          <a:lstStyle/>
+          <a:p>
+            <a:r>
+              <a:rPr lang="en-US" dirty="0"/>
+              <a:t>&lt;form name=“</a:t>
+            </a:r>
+            <a:r>
+              <a:rPr lang="en-US" dirty="0" err="1"/>
+              <a:t>myform</a:t>
+            </a:r>
+            <a:r>
+              <a:rPr lang="en-US" dirty="0"/>
+              <a:t>” action=“/test” method=“POST” </a:t>
+            </a:r>
+            <a:r>
+              <a:rPr lang="en-US" dirty="0" err="1"/>
+              <a:t>onsubmit</a:t>
+            </a:r>
+            <a:r>
+              <a:rPr lang="en-US" dirty="0"/>
+              <a:t>=return </a:t>
+            </a:r>
+            <a:r>
+              <a:rPr lang="en-US" dirty="0" err="1"/>
+              <a:t>myfunc</a:t>
+            </a:r>
+            <a:r>
+              <a:rPr lang="en-US" dirty="0"/>
+              <a:t>()”&gt;</a:t>
+            </a:r>
+          </a:p>
+          <a:p>
+            <a:r>
+              <a:rPr lang="en-US" dirty="0"/>
+              <a:t>&lt;script&gt;</a:t>
+            </a:r>
+          </a:p>
+          <a:p>
+            <a:r>
+              <a:rPr lang="en-US" dirty="0"/>
+              <a:t>function </a:t>
+            </a:r>
+            <a:r>
+              <a:rPr lang="en-US" dirty="0" err="1"/>
+              <a:t>myfunc</a:t>
+            </a:r>
+            <a:r>
+              <a:rPr lang="en-US" dirty="0"/>
+              <a:t>(){</a:t>
+            </a:r>
+          </a:p>
+          <a:p>
+            <a:r>
+              <a:rPr lang="en-US" dirty="0"/>
+              <a:t>return false;</a:t>
+            </a:r>
+          </a:p>
+          <a:p>
+            <a:r>
+              <a:rPr lang="en-US" dirty="0"/>
+              <a:t>}</a:t>
+            </a:r>
+          </a:p>
+          <a:p>
+            <a:r>
+              <a:rPr lang="en-US" dirty="0"/>
+              <a:t>&lt;/script&gt;</a:t>
+            </a:r>
           </a:p>
         </p:txBody>
       </p:sp>
@@ -6169,7 +6532,7 @@
         </p:nvSpPr>
         <p:spPr>
           <a:xfrm>
-            <a:off x="6296600" y="962853"/>
+            <a:off x="6354966" y="1450383"/>
             <a:ext cx="5151318" cy="369332"/>
           </a:xfrm>
           <a:prstGeom prst="rect">
@@ -6186,7 +6549,7 @@
             <a:pPr algn="r" rtl="1"/>
             <a:r>
               <a:rPr lang="fa-IR" dirty="0"/>
-              <a:t>عرض صفحه مرورگر</a:t>
+              <a:t>ارتباط با دکمه ارسال</a:t>
             </a:r>
             <a:endParaRPr lang="en-US" dirty="0"/>
           </a:p>
@@ -6223,11 +6586,7 @@
             <a:pPr algn="r" rtl="1"/>
             <a:r>
               <a:rPr lang="fa-IR" dirty="0"/>
-              <a:t>توابع </a:t>
-            </a:r>
-            <a:r>
-              <a:rPr lang="en-US" dirty="0" err="1"/>
-              <a:t>bom</a:t>
+              <a:t>کنترل فرم ها</a:t>
             </a:r>
             <a:endParaRPr lang="en-US" dirty="0"/>
           </a:p>
@@ -6247,7 +6606,72 @@
         </p:nvSpPr>
         <p:spPr>
           <a:xfrm>
-            <a:off x="837372" y="3651182"/>
+            <a:off x="944682" y="3936972"/>
+            <a:ext cx="5151318" cy="646331"/>
+          </a:xfrm>
+          <a:prstGeom prst="rect">
+            <a:avLst/>
+          </a:prstGeom>
+          <a:noFill/>
+        </p:spPr>
+        <p:txBody>
+          <a:bodyPr wrap="square" rtlCol="0">
+            <a:spAutoFit/>
+          </a:bodyPr>
+          <a:lstStyle/>
+          <a:p>
+            <a:r>
+              <a:rPr lang="en-US" dirty="0"/>
+              <a:t>var x=</a:t>
+            </a:r>
+            <a:r>
+              <a:rPr lang="en-US" dirty="0" err="1"/>
+              <a:t>document.forms</a:t>
+            </a:r>
+            <a:r>
+              <a:rPr lang="en-US" dirty="0"/>
+              <a:t>[“</a:t>
+            </a:r>
+            <a:r>
+              <a:rPr lang="en-US" dirty="0" err="1"/>
+              <a:t>myform</a:t>
+            </a:r>
+            <a:r>
+              <a:rPr lang="en-US" dirty="0"/>
+              <a:t>”][“</a:t>
+            </a:r>
+            <a:r>
+              <a:rPr lang="en-US" dirty="0" err="1"/>
+              <a:t>fname</a:t>
+            </a:r>
+            <a:r>
+              <a:rPr lang="en-US" dirty="0"/>
+              <a:t>”].value;</a:t>
+            </a:r>
+          </a:p>
+          <a:p>
+            <a:r>
+              <a:rPr lang="en-US" dirty="0"/>
+              <a:t>If(x==“”) {… return false;}</a:t>
+            </a:r>
+          </a:p>
+        </p:txBody>
+      </p:sp>
+      <p:sp>
+        <p:nvSpPr>
+          <p:cNvPr id="15" name="TextBox 14">
+            <a:extLst>
+              <a:ext uri="{FF2B5EF4-FFF2-40B4-BE49-F238E27FC236}">
+                <a16:creationId xmlns:a16="http://schemas.microsoft.com/office/drawing/2014/main" id="{FB26DA7B-9737-01C2-1981-0CCB59ED9240}"/>
+              </a:ext>
+            </a:extLst>
+          </p:cNvPr>
+          <p:cNvSpPr txBox="1"/>
+          <p:nvPr/>
+        </p:nvSpPr>
+        <p:spPr>
+          <a:xfrm>
+            <a:off x="6420281" y="3429000"/>
             <a:ext cx="5151318" cy="369332"/>
           </a:xfrm>
           <a:prstGeom prst="rect">
@@ -6261,1072 +6685,10 @@
           </a:bodyPr>
           <a:lstStyle/>
           <a:p>
-            <a:r>
-              <a:rPr lang="en-US" dirty="0" err="1"/>
-              <a:t>window.location.href</a:t>
-            </a:r>
-            <a:endParaRPr lang="en-US" dirty="0"/>
-          </a:p>
-        </p:txBody>
-      </p:sp>
-      <p:sp>
-        <p:nvSpPr>
-          <p:cNvPr id="15" name="TextBox 14">
-            <a:extLst>
-              <a:ext uri="{FF2B5EF4-FFF2-40B4-BE49-F238E27FC236}">
-                <a16:creationId xmlns:a16="http://schemas.microsoft.com/office/drawing/2014/main" id="{FB26DA7B-9737-01C2-1981-0CCB59ED9240}"/>
-              </a:ext>
-            </a:extLst>
-          </p:cNvPr>
-          <p:cNvSpPr txBox="1"/>
-          <p:nvPr/>
-        </p:nvSpPr>
-        <p:spPr>
-          <a:xfrm>
-            <a:off x="6217028" y="3011181"/>
-            <a:ext cx="5151318" cy="369332"/>
-          </a:xfrm>
-          <a:prstGeom prst="rect">
-            <a:avLst/>
-          </a:prstGeom>
-          <a:noFill/>
-        </p:spPr>
-        <p:txBody>
-          <a:bodyPr wrap="square" rtlCol="0">
-            <a:spAutoFit/>
-          </a:bodyPr>
-          <a:lstStyle/>
-          <a:p>
             <a:pPr algn="r" rtl="1"/>
             <a:r>
               <a:rPr lang="fa-IR" dirty="0"/>
-              <a:t>آدرس صفحه جاری</a:t>
-            </a:r>
-            <a:endParaRPr lang="en-US" dirty="0"/>
-          </a:p>
-        </p:txBody>
-      </p:sp>
-      <p:sp>
-        <p:nvSpPr>
-          <p:cNvPr id="2" name="TextBox 1">
-            <a:extLst>
-              <a:ext uri="{FF2B5EF4-FFF2-40B4-BE49-F238E27FC236}">
-                <a16:creationId xmlns:a16="http://schemas.microsoft.com/office/drawing/2014/main" id="{6AF2CCA3-0694-EBF3-F0F2-3B3930B936D1}"/>
-              </a:ext>
-            </a:extLst>
-          </p:cNvPr>
-          <p:cNvSpPr txBox="1"/>
-          <p:nvPr/>
-        </p:nvSpPr>
-        <p:spPr>
-          <a:xfrm>
-            <a:off x="837372" y="1416106"/>
-            <a:ext cx="8388222" cy="369332"/>
-          </a:xfrm>
-          <a:prstGeom prst="rect">
-            <a:avLst/>
-          </a:prstGeom>
-          <a:noFill/>
-        </p:spPr>
-        <p:txBody>
-          <a:bodyPr wrap="square" rtlCol="0">
-            <a:spAutoFit/>
-          </a:bodyPr>
-          <a:lstStyle/>
-          <a:p>
-            <a:r>
-              <a:rPr lang="en-US" dirty="0" err="1"/>
-              <a:t>document.documentElement.clientWidth</a:t>
-            </a:r>
-            <a:endParaRPr lang="en-US" dirty="0"/>
-          </a:p>
-        </p:txBody>
-      </p:sp>
-      <p:sp>
-        <p:nvSpPr>
-          <p:cNvPr id="5" name="TextBox 4">
-            <a:extLst>
-              <a:ext uri="{FF2B5EF4-FFF2-40B4-BE49-F238E27FC236}">
-                <a16:creationId xmlns:a16="http://schemas.microsoft.com/office/drawing/2014/main" id="{D084C10F-02BD-2A45-6C17-5A63AFE93518}"/>
-              </a:ext>
-            </a:extLst>
-          </p:cNvPr>
-          <p:cNvSpPr txBox="1"/>
-          <p:nvPr/>
-        </p:nvSpPr>
-        <p:spPr>
-          <a:xfrm>
-            <a:off x="837372" y="1784495"/>
-            <a:ext cx="8388222" cy="369332"/>
-          </a:xfrm>
-          <a:prstGeom prst="rect">
-            <a:avLst/>
-          </a:prstGeom>
-          <a:noFill/>
-        </p:spPr>
-        <p:txBody>
-          <a:bodyPr wrap="square" rtlCol="0">
-            <a:spAutoFit/>
-          </a:bodyPr>
-          <a:lstStyle/>
-          <a:p>
-            <a:r>
-              <a:rPr lang="en-US" dirty="0" err="1"/>
-              <a:t>document.body.clientWidth</a:t>
-            </a:r>
-            <a:endParaRPr lang="en-US" dirty="0"/>
-          </a:p>
-        </p:txBody>
-      </p:sp>
-      <p:sp>
-        <p:nvSpPr>
-          <p:cNvPr id="6" name="TextBox 5">
-            <a:extLst>
-              <a:ext uri="{FF2B5EF4-FFF2-40B4-BE49-F238E27FC236}">
-                <a16:creationId xmlns:a16="http://schemas.microsoft.com/office/drawing/2014/main" id="{AD82DEED-DAB5-73BA-22F2-171889B2C04F}"/>
-              </a:ext>
-            </a:extLst>
-          </p:cNvPr>
-          <p:cNvSpPr txBox="1"/>
-          <p:nvPr/>
-        </p:nvSpPr>
-        <p:spPr>
-          <a:xfrm>
-            <a:off x="837372" y="2087050"/>
-            <a:ext cx="8388222" cy="369332"/>
-          </a:xfrm>
-          <a:prstGeom prst="rect">
-            <a:avLst/>
-          </a:prstGeom>
-          <a:noFill/>
-        </p:spPr>
-        <p:txBody>
-          <a:bodyPr wrap="square" rtlCol="0">
-            <a:spAutoFit/>
-          </a:bodyPr>
-          <a:lstStyle/>
-          <a:p>
-            <a:r>
-              <a:rPr lang="en-US" dirty="0" err="1"/>
-              <a:t>window.innerHeight</a:t>
-            </a:r>
-            <a:endParaRPr lang="en-US" dirty="0"/>
-          </a:p>
-        </p:txBody>
-      </p:sp>
-      <p:sp>
-        <p:nvSpPr>
-          <p:cNvPr id="7" name="TextBox 6">
-            <a:extLst>
-              <a:ext uri="{FF2B5EF4-FFF2-40B4-BE49-F238E27FC236}">
-                <a16:creationId xmlns:a16="http://schemas.microsoft.com/office/drawing/2014/main" id="{E8AABD2D-B6C9-B573-C12D-C2B71478343C}"/>
-              </a:ext>
-            </a:extLst>
-          </p:cNvPr>
-          <p:cNvSpPr txBox="1"/>
-          <p:nvPr/>
-        </p:nvSpPr>
-        <p:spPr>
-          <a:xfrm>
-            <a:off x="6296600" y="1798085"/>
-            <a:ext cx="5151318" cy="369332"/>
-          </a:xfrm>
-          <a:prstGeom prst="rect">
-            <a:avLst/>
-          </a:prstGeom>
-          <a:noFill/>
-        </p:spPr>
-        <p:txBody>
-          <a:bodyPr wrap="square" rtlCol="0">
-            <a:spAutoFit/>
-          </a:bodyPr>
-          <a:lstStyle/>
-          <a:p>
-            <a:pPr algn="r" rtl="1"/>
-            <a:r>
-              <a:rPr lang="fa-IR" dirty="0"/>
-              <a:t>ارتفاع صفحه مرورگر</a:t>
-            </a:r>
-            <a:endParaRPr lang="en-US" dirty="0"/>
-          </a:p>
-        </p:txBody>
-      </p:sp>
-      <p:sp>
-        <p:nvSpPr>
-          <p:cNvPr id="9" name="TextBox 8">
-            <a:extLst>
-              <a:ext uri="{FF2B5EF4-FFF2-40B4-BE49-F238E27FC236}">
-                <a16:creationId xmlns:a16="http://schemas.microsoft.com/office/drawing/2014/main" id="{CB3C5F4B-5B1F-D18F-0DAF-3CEEDE7FD425}"/>
-              </a:ext>
-            </a:extLst>
-          </p:cNvPr>
-          <p:cNvSpPr txBox="1"/>
-          <p:nvPr/>
-        </p:nvSpPr>
-        <p:spPr>
-          <a:xfrm>
-            <a:off x="837372" y="2398848"/>
-            <a:ext cx="8388222" cy="369332"/>
-          </a:xfrm>
-          <a:prstGeom prst="rect">
-            <a:avLst/>
-          </a:prstGeom>
-          <a:noFill/>
-        </p:spPr>
-        <p:txBody>
-          <a:bodyPr wrap="square" rtlCol="0">
-            <a:spAutoFit/>
-          </a:bodyPr>
-          <a:lstStyle/>
-          <a:p>
-            <a:r>
-              <a:rPr lang="en-US" dirty="0" err="1"/>
-              <a:t>document.documentElement.clientHeight</a:t>
-            </a:r>
-            <a:endParaRPr lang="en-US" dirty="0"/>
-          </a:p>
-        </p:txBody>
-      </p:sp>
-      <p:sp>
-        <p:nvSpPr>
-          <p:cNvPr id="10" name="TextBox 9">
-            <a:extLst>
-              <a:ext uri="{FF2B5EF4-FFF2-40B4-BE49-F238E27FC236}">
-                <a16:creationId xmlns:a16="http://schemas.microsoft.com/office/drawing/2014/main" id="{D9FEAB80-24E1-CD67-9E18-30E0CA4A8B64}"/>
-              </a:ext>
-            </a:extLst>
-          </p:cNvPr>
-          <p:cNvSpPr txBox="1"/>
-          <p:nvPr/>
-        </p:nvSpPr>
-        <p:spPr>
-          <a:xfrm>
-            <a:off x="837372" y="2756962"/>
-            <a:ext cx="8388222" cy="369332"/>
-          </a:xfrm>
-          <a:prstGeom prst="rect">
-            <a:avLst/>
-          </a:prstGeom>
-          <a:noFill/>
-        </p:spPr>
-        <p:txBody>
-          <a:bodyPr wrap="square" rtlCol="0">
-            <a:spAutoFit/>
-          </a:bodyPr>
-          <a:lstStyle/>
-          <a:p>
-            <a:r>
-              <a:rPr lang="en-US" dirty="0" err="1"/>
-              <a:t>document.body.clientHeight</a:t>
-            </a:r>
-            <a:endParaRPr lang="en-US" dirty="0"/>
-          </a:p>
-        </p:txBody>
-      </p:sp>
-      <p:sp>
-        <p:nvSpPr>
-          <p:cNvPr id="11" name="TextBox 10">
-            <a:extLst>
-              <a:ext uri="{FF2B5EF4-FFF2-40B4-BE49-F238E27FC236}">
-                <a16:creationId xmlns:a16="http://schemas.microsoft.com/office/drawing/2014/main" id="{B013256C-053B-7089-4CED-C55AD003B037}"/>
-              </a:ext>
-            </a:extLst>
-          </p:cNvPr>
-          <p:cNvSpPr txBox="1"/>
-          <p:nvPr/>
-        </p:nvSpPr>
-        <p:spPr>
-          <a:xfrm>
-            <a:off x="851086" y="3078690"/>
-            <a:ext cx="8388222" cy="369332"/>
-          </a:xfrm>
-          <a:prstGeom prst="rect">
-            <a:avLst/>
-          </a:prstGeom>
-          <a:noFill/>
-        </p:spPr>
-        <p:txBody>
-          <a:bodyPr wrap="square" rtlCol="0">
-            <a:spAutoFit/>
-          </a:bodyPr>
-          <a:lstStyle/>
-          <a:p>
-            <a:r>
-              <a:rPr lang="en-US" dirty="0" err="1"/>
-              <a:t>screen.availWidth</a:t>
-            </a:r>
-            <a:endParaRPr lang="en-US" dirty="0"/>
-          </a:p>
-        </p:txBody>
-      </p:sp>
-      <p:sp>
-        <p:nvSpPr>
-          <p:cNvPr id="12" name="TextBox 11">
-            <a:extLst>
-              <a:ext uri="{FF2B5EF4-FFF2-40B4-BE49-F238E27FC236}">
-                <a16:creationId xmlns:a16="http://schemas.microsoft.com/office/drawing/2014/main" id="{F04758D6-5767-706B-BE35-9866A354DF31}"/>
-              </a:ext>
-            </a:extLst>
-          </p:cNvPr>
-          <p:cNvSpPr txBox="1"/>
-          <p:nvPr/>
-        </p:nvSpPr>
-        <p:spPr>
-          <a:xfrm>
-            <a:off x="851086" y="3332171"/>
-            <a:ext cx="8388222" cy="369332"/>
-          </a:xfrm>
-          <a:prstGeom prst="rect">
-            <a:avLst/>
-          </a:prstGeom>
-          <a:noFill/>
-        </p:spPr>
-        <p:txBody>
-          <a:bodyPr wrap="square" rtlCol="0">
-            <a:spAutoFit/>
-          </a:bodyPr>
-          <a:lstStyle/>
-          <a:p>
-            <a:r>
-              <a:rPr lang="en-US" dirty="0" err="1"/>
-              <a:t>screen.availHeight</a:t>
-            </a:r>
-            <a:endParaRPr lang="en-US" dirty="0"/>
-          </a:p>
-        </p:txBody>
-      </p:sp>
-      <p:sp>
-        <p:nvSpPr>
-          <p:cNvPr id="13" name="TextBox 12">
-            <a:extLst>
-              <a:ext uri="{FF2B5EF4-FFF2-40B4-BE49-F238E27FC236}">
-                <a16:creationId xmlns:a16="http://schemas.microsoft.com/office/drawing/2014/main" id="{EDA87CFE-C038-27FB-819D-6E8863289DEE}"/>
-              </a:ext>
-            </a:extLst>
-          </p:cNvPr>
-          <p:cNvSpPr txBox="1"/>
-          <p:nvPr/>
-        </p:nvSpPr>
-        <p:spPr>
-          <a:xfrm>
-            <a:off x="6203312" y="2745347"/>
-            <a:ext cx="5151318" cy="369332"/>
-          </a:xfrm>
-          <a:prstGeom prst="rect">
-            <a:avLst/>
-          </a:prstGeom>
-          <a:noFill/>
-        </p:spPr>
-        <p:txBody>
-          <a:bodyPr wrap="square" rtlCol="0">
-            <a:spAutoFit/>
-          </a:bodyPr>
-          <a:lstStyle/>
-          <a:p>
-            <a:pPr algn="r" rtl="1"/>
-            <a:r>
-              <a:rPr lang="fa-IR" dirty="0"/>
-              <a:t>عرض و ارتفاع صفحه نمایش</a:t>
-            </a:r>
-            <a:endParaRPr lang="en-US" dirty="0"/>
-          </a:p>
-        </p:txBody>
-      </p:sp>
-      <p:sp>
-        <p:nvSpPr>
-          <p:cNvPr id="16" name="TextBox 15">
-            <a:extLst>
-              <a:ext uri="{FF2B5EF4-FFF2-40B4-BE49-F238E27FC236}">
-                <a16:creationId xmlns:a16="http://schemas.microsoft.com/office/drawing/2014/main" id="{CC3EC8E6-30EF-866A-BA3A-0B561BDD06BF}"/>
-              </a:ext>
-            </a:extLst>
-          </p:cNvPr>
-          <p:cNvSpPr txBox="1"/>
-          <p:nvPr/>
-        </p:nvSpPr>
-        <p:spPr>
-          <a:xfrm>
-            <a:off x="851086" y="3936044"/>
-            <a:ext cx="5151318" cy="369332"/>
-          </a:xfrm>
-          <a:prstGeom prst="rect">
-            <a:avLst/>
-          </a:prstGeom>
-          <a:noFill/>
-        </p:spPr>
-        <p:txBody>
-          <a:bodyPr wrap="square" rtlCol="0">
-            <a:spAutoFit/>
-          </a:bodyPr>
-          <a:lstStyle/>
-          <a:p>
-            <a:r>
-              <a:rPr lang="en-US" dirty="0" err="1"/>
-              <a:t>window.location.hostname</a:t>
-            </a:r>
-            <a:endParaRPr lang="en-US" dirty="0"/>
-          </a:p>
-        </p:txBody>
-      </p:sp>
-      <p:sp>
-        <p:nvSpPr>
-          <p:cNvPr id="17" name="TextBox 16">
-            <a:extLst>
-              <a:ext uri="{FF2B5EF4-FFF2-40B4-BE49-F238E27FC236}">
-                <a16:creationId xmlns:a16="http://schemas.microsoft.com/office/drawing/2014/main" id="{2C094C16-CD37-C53A-FB62-73311EC8D6CE}"/>
-              </a:ext>
-            </a:extLst>
-          </p:cNvPr>
-          <p:cNvSpPr txBox="1"/>
-          <p:nvPr/>
-        </p:nvSpPr>
-        <p:spPr>
-          <a:xfrm>
-            <a:off x="6217028" y="3394062"/>
-            <a:ext cx="5151318" cy="369332"/>
-          </a:xfrm>
-          <a:prstGeom prst="rect">
-            <a:avLst/>
-          </a:prstGeom>
-          <a:noFill/>
-        </p:spPr>
-        <p:txBody>
-          <a:bodyPr wrap="square" rtlCol="0">
-            <a:spAutoFit/>
-          </a:bodyPr>
-          <a:lstStyle/>
-          <a:p>
-            <a:pPr algn="r" rtl="1"/>
-            <a:r>
-              <a:rPr lang="fa-IR" dirty="0"/>
-              <a:t>آدرس دامنه جاری</a:t>
-            </a:r>
-            <a:endParaRPr lang="en-US" dirty="0"/>
-          </a:p>
-        </p:txBody>
-      </p:sp>
-      <p:sp>
-        <p:nvSpPr>
-          <p:cNvPr id="18" name="TextBox 17">
-            <a:extLst>
-              <a:ext uri="{FF2B5EF4-FFF2-40B4-BE49-F238E27FC236}">
-                <a16:creationId xmlns:a16="http://schemas.microsoft.com/office/drawing/2014/main" id="{F43F7C2C-F6E6-7EB0-4916-4C79F0D7D9E6}"/>
-              </a:ext>
-            </a:extLst>
-          </p:cNvPr>
-          <p:cNvSpPr txBox="1"/>
-          <p:nvPr/>
-        </p:nvSpPr>
-        <p:spPr>
-          <a:xfrm>
-            <a:off x="837372" y="4212343"/>
-            <a:ext cx="5151318" cy="369332"/>
-          </a:xfrm>
-          <a:prstGeom prst="rect">
-            <a:avLst/>
-          </a:prstGeom>
-          <a:noFill/>
-        </p:spPr>
-        <p:txBody>
-          <a:bodyPr wrap="square" rtlCol="0">
-            <a:spAutoFit/>
-          </a:bodyPr>
-          <a:lstStyle/>
-          <a:p>
-            <a:r>
-              <a:rPr lang="en-US" dirty="0" err="1"/>
-              <a:t>window.location.pathname</a:t>
-            </a:r>
-            <a:endParaRPr lang="en-US" dirty="0"/>
-          </a:p>
-        </p:txBody>
-      </p:sp>
-      <p:sp>
-        <p:nvSpPr>
-          <p:cNvPr id="19" name="TextBox 18">
-            <a:extLst>
-              <a:ext uri="{FF2B5EF4-FFF2-40B4-BE49-F238E27FC236}">
-                <a16:creationId xmlns:a16="http://schemas.microsoft.com/office/drawing/2014/main" id="{6819D844-F4B7-AB17-CB6E-241C8B516B4D}"/>
-              </a:ext>
-            </a:extLst>
-          </p:cNvPr>
-          <p:cNvSpPr txBox="1"/>
-          <p:nvPr/>
-        </p:nvSpPr>
-        <p:spPr>
-          <a:xfrm>
-            <a:off x="6217028" y="3808195"/>
-            <a:ext cx="5151318" cy="369332"/>
-          </a:xfrm>
-          <a:prstGeom prst="rect">
-            <a:avLst/>
-          </a:prstGeom>
-          <a:noFill/>
-        </p:spPr>
-        <p:txBody>
-          <a:bodyPr wrap="square" rtlCol="0">
-            <a:spAutoFit/>
-          </a:bodyPr>
-          <a:lstStyle/>
-          <a:p>
-            <a:pPr algn="r" rtl="1"/>
-            <a:r>
-              <a:rPr lang="fa-IR" dirty="0"/>
-              <a:t>مسیرجاری</a:t>
-            </a:r>
-            <a:endParaRPr lang="en-US" dirty="0"/>
-          </a:p>
-        </p:txBody>
-      </p:sp>
-      <p:sp>
-        <p:nvSpPr>
-          <p:cNvPr id="20" name="TextBox 19">
-            <a:extLst>
-              <a:ext uri="{FF2B5EF4-FFF2-40B4-BE49-F238E27FC236}">
-                <a16:creationId xmlns:a16="http://schemas.microsoft.com/office/drawing/2014/main" id="{3956419F-ADBF-DBC6-01CF-076D49F7F1D6}"/>
-              </a:ext>
-            </a:extLst>
-          </p:cNvPr>
-          <p:cNvSpPr txBox="1"/>
-          <p:nvPr/>
-        </p:nvSpPr>
-        <p:spPr>
-          <a:xfrm>
-            <a:off x="851086" y="4458515"/>
-            <a:ext cx="5151318" cy="369332"/>
-          </a:xfrm>
-          <a:prstGeom prst="rect">
-            <a:avLst/>
-          </a:prstGeom>
-          <a:noFill/>
-        </p:spPr>
-        <p:txBody>
-          <a:bodyPr wrap="square" rtlCol="0">
-            <a:spAutoFit/>
-          </a:bodyPr>
-          <a:lstStyle/>
-          <a:p>
-            <a:r>
-              <a:rPr lang="en-US" dirty="0" err="1"/>
-              <a:t>window.location.protocol</a:t>
-            </a:r>
-            <a:endParaRPr lang="en-US" dirty="0"/>
-          </a:p>
-        </p:txBody>
-      </p:sp>
-      <p:sp>
-        <p:nvSpPr>
-          <p:cNvPr id="21" name="TextBox 20">
-            <a:extLst>
-              <a:ext uri="{FF2B5EF4-FFF2-40B4-BE49-F238E27FC236}">
-                <a16:creationId xmlns:a16="http://schemas.microsoft.com/office/drawing/2014/main" id="{B2CA4FC1-7A54-930E-12A5-BC0552C7E9CA}"/>
-              </a:ext>
-            </a:extLst>
-          </p:cNvPr>
-          <p:cNvSpPr txBox="1"/>
-          <p:nvPr/>
-        </p:nvSpPr>
-        <p:spPr>
-          <a:xfrm>
-            <a:off x="6217028" y="4139997"/>
-            <a:ext cx="5151318" cy="369332"/>
-          </a:xfrm>
-          <a:prstGeom prst="rect">
-            <a:avLst/>
-          </a:prstGeom>
-          <a:noFill/>
-        </p:spPr>
-        <p:txBody>
-          <a:bodyPr wrap="square" rtlCol="0">
-            <a:spAutoFit/>
-          </a:bodyPr>
-          <a:lstStyle/>
-          <a:p>
-            <a:pPr algn="r" rtl="1"/>
-            <a:r>
-              <a:rPr lang="fa-IR" dirty="0"/>
-              <a:t>پروتکل صفحه</a:t>
-            </a:r>
-            <a:r>
-              <a:rPr lang="en-US" dirty="0"/>
-              <a:t> </a:t>
-            </a:r>
-            <a:r>
-              <a:rPr lang="fa-IR" dirty="0"/>
-              <a:t>جاری</a:t>
-            </a:r>
-            <a:endParaRPr lang="en-US" dirty="0"/>
-          </a:p>
-        </p:txBody>
-      </p:sp>
-      <p:sp>
-        <p:nvSpPr>
-          <p:cNvPr id="22" name="TextBox 21">
-            <a:extLst>
-              <a:ext uri="{FF2B5EF4-FFF2-40B4-BE49-F238E27FC236}">
-                <a16:creationId xmlns:a16="http://schemas.microsoft.com/office/drawing/2014/main" id="{B27C0556-2621-E7BD-E5B7-DDB6D93E1290}"/>
-              </a:ext>
-            </a:extLst>
-          </p:cNvPr>
-          <p:cNvSpPr txBox="1"/>
-          <p:nvPr/>
-        </p:nvSpPr>
-        <p:spPr>
-          <a:xfrm>
-            <a:off x="864800" y="4694289"/>
-            <a:ext cx="5151318" cy="369332"/>
-          </a:xfrm>
-          <a:prstGeom prst="rect">
-            <a:avLst/>
-          </a:prstGeom>
-          <a:noFill/>
-        </p:spPr>
-        <p:txBody>
-          <a:bodyPr wrap="square" rtlCol="0">
-            <a:spAutoFit/>
-          </a:bodyPr>
-          <a:lstStyle/>
-          <a:p>
-            <a:r>
-              <a:rPr lang="en-US" dirty="0" err="1"/>
-              <a:t>window.location.port</a:t>
-            </a:r>
-            <a:endParaRPr lang="en-US" dirty="0"/>
-          </a:p>
-        </p:txBody>
-      </p:sp>
-      <p:sp>
-        <p:nvSpPr>
-          <p:cNvPr id="23" name="TextBox 22">
-            <a:extLst>
-              <a:ext uri="{FF2B5EF4-FFF2-40B4-BE49-F238E27FC236}">
-                <a16:creationId xmlns:a16="http://schemas.microsoft.com/office/drawing/2014/main" id="{EBE56A23-40C9-9BEF-8B88-9628988E0809}"/>
-              </a:ext>
-            </a:extLst>
-          </p:cNvPr>
-          <p:cNvSpPr txBox="1"/>
-          <p:nvPr/>
-        </p:nvSpPr>
-        <p:spPr>
-          <a:xfrm>
-            <a:off x="6217028" y="4424512"/>
-            <a:ext cx="5151318" cy="369332"/>
-          </a:xfrm>
-          <a:prstGeom prst="rect">
-            <a:avLst/>
-          </a:prstGeom>
-          <a:noFill/>
-        </p:spPr>
-        <p:txBody>
-          <a:bodyPr wrap="square" rtlCol="0">
-            <a:spAutoFit/>
-          </a:bodyPr>
-          <a:lstStyle/>
-          <a:p>
-            <a:pPr algn="r" rtl="1"/>
-            <a:r>
-              <a:rPr lang="fa-IR" dirty="0"/>
-              <a:t>پورت مورد استفاده</a:t>
-            </a:r>
-            <a:r>
-              <a:rPr lang="en-US" dirty="0"/>
-              <a:t> </a:t>
-            </a:r>
-            <a:r>
-              <a:rPr lang="fa-IR" dirty="0"/>
-              <a:t>جاری</a:t>
-            </a:r>
-            <a:endParaRPr lang="en-US" dirty="0"/>
-          </a:p>
-        </p:txBody>
-      </p:sp>
-      <p:sp>
-        <p:nvSpPr>
-          <p:cNvPr id="24" name="TextBox 23">
-            <a:extLst>
-              <a:ext uri="{FF2B5EF4-FFF2-40B4-BE49-F238E27FC236}">
-                <a16:creationId xmlns:a16="http://schemas.microsoft.com/office/drawing/2014/main" id="{E130E543-387B-3114-32F7-2BA4905C2135}"/>
-              </a:ext>
-            </a:extLst>
-          </p:cNvPr>
-          <p:cNvSpPr txBox="1"/>
-          <p:nvPr/>
-        </p:nvSpPr>
-        <p:spPr>
-          <a:xfrm>
-            <a:off x="864800" y="4930945"/>
-            <a:ext cx="5151318" cy="369332"/>
-          </a:xfrm>
-          <a:prstGeom prst="rect">
-            <a:avLst/>
-          </a:prstGeom>
-          <a:noFill/>
-        </p:spPr>
-        <p:txBody>
-          <a:bodyPr wrap="square" rtlCol="0">
-            <a:spAutoFit/>
-          </a:bodyPr>
-          <a:lstStyle/>
-          <a:p>
-            <a:r>
-              <a:rPr lang="en-US" dirty="0" err="1"/>
-              <a:t>window.location.assign</a:t>
-            </a:r>
-            <a:r>
-              <a:rPr lang="en-US" dirty="0"/>
-              <a:t>(</a:t>
-            </a:r>
-            <a:r>
-              <a:rPr lang="en-US" dirty="0" err="1"/>
-              <a:t>url</a:t>
-            </a:r>
-            <a:r>
-              <a:rPr lang="en-US" dirty="0"/>
-              <a:t>);</a:t>
-            </a:r>
-          </a:p>
-        </p:txBody>
-      </p:sp>
-      <p:sp>
-        <p:nvSpPr>
-          <p:cNvPr id="25" name="TextBox 24">
-            <a:extLst>
-              <a:ext uri="{FF2B5EF4-FFF2-40B4-BE49-F238E27FC236}">
-                <a16:creationId xmlns:a16="http://schemas.microsoft.com/office/drawing/2014/main" id="{33BDBD37-D378-38B4-CECD-F70E5B12068E}"/>
-              </a:ext>
-            </a:extLst>
-          </p:cNvPr>
-          <p:cNvSpPr txBox="1"/>
-          <p:nvPr/>
-        </p:nvSpPr>
-        <p:spPr>
-          <a:xfrm>
-            <a:off x="6217028" y="4738796"/>
-            <a:ext cx="5151318" cy="369332"/>
-          </a:xfrm>
-          <a:prstGeom prst="rect">
-            <a:avLst/>
-          </a:prstGeom>
-          <a:noFill/>
-        </p:spPr>
-        <p:txBody>
-          <a:bodyPr wrap="square" rtlCol="0">
-            <a:spAutoFit/>
-          </a:bodyPr>
-          <a:lstStyle/>
-          <a:p>
-            <a:pPr algn="r" rtl="1"/>
-            <a:r>
-              <a:rPr lang="fa-IR" dirty="0"/>
-              <a:t>تغییر محتویات صفحه با مسیر جدید (رفتن به آدرس دیگر)</a:t>
-            </a:r>
-            <a:endParaRPr lang="en-US" dirty="0"/>
-          </a:p>
-        </p:txBody>
-      </p:sp>
-      <p:sp>
-        <p:nvSpPr>
-          <p:cNvPr id="26" name="TextBox 25">
-            <a:extLst>
-              <a:ext uri="{FF2B5EF4-FFF2-40B4-BE49-F238E27FC236}">
-                <a16:creationId xmlns:a16="http://schemas.microsoft.com/office/drawing/2014/main" id="{039F8A16-ED51-87F1-77AC-F064F7095AB5}"/>
-              </a:ext>
-            </a:extLst>
-          </p:cNvPr>
-          <p:cNvSpPr txBox="1"/>
-          <p:nvPr/>
-        </p:nvSpPr>
-        <p:spPr>
-          <a:xfrm>
-            <a:off x="864800" y="5189327"/>
-            <a:ext cx="5151318" cy="369332"/>
-          </a:xfrm>
-          <a:prstGeom prst="rect">
-            <a:avLst/>
-          </a:prstGeom>
-          <a:noFill/>
-        </p:spPr>
-        <p:txBody>
-          <a:bodyPr wrap="square" rtlCol="0">
-            <a:spAutoFit/>
-          </a:bodyPr>
-          <a:lstStyle/>
-          <a:p>
-            <a:r>
-              <a:rPr lang="en-US" dirty="0" err="1"/>
-              <a:t>window.history.back</a:t>
-            </a:r>
-            <a:r>
-              <a:rPr lang="en-US" dirty="0"/>
-              <a:t>();</a:t>
-            </a:r>
-          </a:p>
-        </p:txBody>
-      </p:sp>
-      <p:sp>
-        <p:nvSpPr>
-          <p:cNvPr id="27" name="TextBox 26">
-            <a:extLst>
-              <a:ext uri="{FF2B5EF4-FFF2-40B4-BE49-F238E27FC236}">
-                <a16:creationId xmlns:a16="http://schemas.microsoft.com/office/drawing/2014/main" id="{11E12498-A313-6B3B-1FD6-1440223595A5}"/>
-              </a:ext>
-            </a:extLst>
-          </p:cNvPr>
-          <p:cNvSpPr txBox="1"/>
-          <p:nvPr/>
-        </p:nvSpPr>
-        <p:spPr>
-          <a:xfrm>
-            <a:off x="6217028" y="5040829"/>
-            <a:ext cx="5151318" cy="369332"/>
-          </a:xfrm>
-          <a:prstGeom prst="rect">
-            <a:avLst/>
-          </a:prstGeom>
-          <a:noFill/>
-        </p:spPr>
-        <p:txBody>
-          <a:bodyPr wrap="square" rtlCol="0">
-            <a:spAutoFit/>
-          </a:bodyPr>
-          <a:lstStyle/>
-          <a:p>
-            <a:pPr algn="r" rtl="1"/>
-            <a:r>
-              <a:rPr lang="fa-IR" dirty="0"/>
-              <a:t>رفتن به صفحه مرور شده قبلی</a:t>
-            </a:r>
-            <a:endParaRPr lang="en-US" dirty="0"/>
-          </a:p>
-        </p:txBody>
-      </p:sp>
-      <p:sp>
-        <p:nvSpPr>
-          <p:cNvPr id="28" name="TextBox 27">
-            <a:extLst>
-              <a:ext uri="{FF2B5EF4-FFF2-40B4-BE49-F238E27FC236}">
-                <a16:creationId xmlns:a16="http://schemas.microsoft.com/office/drawing/2014/main" id="{301EF089-C411-7897-B97B-F66EBF4E3C8A}"/>
-              </a:ext>
-            </a:extLst>
-          </p:cNvPr>
-          <p:cNvSpPr txBox="1"/>
-          <p:nvPr/>
-        </p:nvSpPr>
-        <p:spPr>
-          <a:xfrm>
-            <a:off x="864800" y="5464715"/>
-            <a:ext cx="5151318" cy="369332"/>
-          </a:xfrm>
-          <a:prstGeom prst="rect">
-            <a:avLst/>
-          </a:prstGeom>
-          <a:noFill/>
-        </p:spPr>
-        <p:txBody>
-          <a:bodyPr wrap="square" rtlCol="0">
-            <a:spAutoFit/>
-          </a:bodyPr>
-          <a:lstStyle/>
-          <a:p>
-            <a:r>
-              <a:rPr lang="en-US" dirty="0" err="1"/>
-              <a:t>window.history.forward</a:t>
-            </a:r>
-            <a:r>
-              <a:rPr lang="en-US" dirty="0"/>
-              <a:t>();</a:t>
-            </a:r>
-          </a:p>
-        </p:txBody>
-      </p:sp>
-      <p:sp>
-        <p:nvSpPr>
-          <p:cNvPr id="30" name="TextBox 29">
-            <a:extLst>
-              <a:ext uri="{FF2B5EF4-FFF2-40B4-BE49-F238E27FC236}">
-                <a16:creationId xmlns:a16="http://schemas.microsoft.com/office/drawing/2014/main" id="{22CE54B4-5C9C-A761-C15E-A7E71DD08181}"/>
-              </a:ext>
-            </a:extLst>
-          </p:cNvPr>
-          <p:cNvSpPr txBox="1"/>
-          <p:nvPr/>
-        </p:nvSpPr>
-        <p:spPr>
-          <a:xfrm>
-            <a:off x="6217028" y="5309518"/>
-            <a:ext cx="5151318" cy="369332"/>
-          </a:xfrm>
-          <a:prstGeom prst="rect">
-            <a:avLst/>
-          </a:prstGeom>
-          <a:noFill/>
-        </p:spPr>
-        <p:txBody>
-          <a:bodyPr wrap="square" rtlCol="0">
-            <a:spAutoFit/>
-          </a:bodyPr>
-          <a:lstStyle/>
-          <a:p>
-            <a:pPr algn="r" rtl="1"/>
-            <a:r>
-              <a:rPr lang="fa-IR" dirty="0"/>
-              <a:t>رفتن به صفحه مرور شده بعدی</a:t>
-            </a:r>
-            <a:endParaRPr lang="en-US" dirty="0"/>
-          </a:p>
-        </p:txBody>
-      </p:sp>
-      <p:sp>
-        <p:nvSpPr>
-          <p:cNvPr id="33" name="TextBox 32">
-            <a:extLst>
-              <a:ext uri="{FF2B5EF4-FFF2-40B4-BE49-F238E27FC236}">
-                <a16:creationId xmlns:a16="http://schemas.microsoft.com/office/drawing/2014/main" id="{70D18D9B-AEF2-203C-13E2-E244B650D40C}"/>
-              </a:ext>
-            </a:extLst>
-          </p:cNvPr>
-          <p:cNvSpPr txBox="1"/>
-          <p:nvPr/>
-        </p:nvSpPr>
-        <p:spPr>
-          <a:xfrm>
-            <a:off x="837372" y="5745443"/>
-            <a:ext cx="6105994" cy="369332"/>
-          </a:xfrm>
-          <a:prstGeom prst="rect">
-            <a:avLst/>
-          </a:prstGeom>
-          <a:noFill/>
-        </p:spPr>
-        <p:txBody>
-          <a:bodyPr wrap="square" rtlCol="0">
-            <a:spAutoFit/>
-          </a:bodyPr>
-          <a:lstStyle/>
-          <a:p>
-            <a:r>
-              <a:rPr lang="en-US" dirty="0" err="1"/>
-              <a:t>document.cookie</a:t>
-            </a:r>
-            <a:r>
-              <a:rPr lang="en-US" dirty="0"/>
-              <a:t>=“name=ali;3000;path=/”;</a:t>
-            </a:r>
-          </a:p>
-        </p:txBody>
-      </p:sp>
-      <p:sp>
-        <p:nvSpPr>
-          <p:cNvPr id="34" name="TextBox 33">
-            <a:extLst>
-              <a:ext uri="{FF2B5EF4-FFF2-40B4-BE49-F238E27FC236}">
-                <a16:creationId xmlns:a16="http://schemas.microsoft.com/office/drawing/2014/main" id="{3205134F-3A4C-031D-FE62-24B24ECD7421}"/>
-              </a:ext>
-            </a:extLst>
-          </p:cNvPr>
-          <p:cNvSpPr txBox="1"/>
-          <p:nvPr/>
-        </p:nvSpPr>
-        <p:spPr>
-          <a:xfrm>
-            <a:off x="5860353" y="5742031"/>
-            <a:ext cx="5151318" cy="369332"/>
-          </a:xfrm>
-          <a:prstGeom prst="rect">
-            <a:avLst/>
-          </a:prstGeom>
-          <a:noFill/>
-        </p:spPr>
-        <p:txBody>
-          <a:bodyPr wrap="square" rtlCol="0">
-            <a:spAutoFit/>
-          </a:bodyPr>
-          <a:lstStyle/>
-          <a:p>
-            <a:pPr algn="r" rtl="1"/>
-            <a:r>
-              <a:rPr lang="fa-IR" dirty="0"/>
-              <a:t>ثبت کوکی</a:t>
-            </a:r>
-            <a:endParaRPr lang="en-US" dirty="0"/>
-          </a:p>
-        </p:txBody>
-      </p:sp>
-      <p:sp>
-        <p:nvSpPr>
-          <p:cNvPr id="35" name="TextBox 34">
-            <a:extLst>
-              <a:ext uri="{FF2B5EF4-FFF2-40B4-BE49-F238E27FC236}">
-                <a16:creationId xmlns:a16="http://schemas.microsoft.com/office/drawing/2014/main" id="{3D414971-0E4F-6B94-6A32-7D4D27E29627}"/>
-              </a:ext>
-            </a:extLst>
-          </p:cNvPr>
-          <p:cNvSpPr txBox="1"/>
-          <p:nvPr/>
-        </p:nvSpPr>
-        <p:spPr>
-          <a:xfrm>
-            <a:off x="851086" y="6077245"/>
-            <a:ext cx="6105994" cy="369332"/>
-          </a:xfrm>
-          <a:prstGeom prst="rect">
-            <a:avLst/>
-          </a:prstGeom>
-          <a:noFill/>
-        </p:spPr>
-        <p:txBody>
-          <a:bodyPr wrap="square" rtlCol="0">
-            <a:spAutoFit/>
-          </a:bodyPr>
-          <a:lstStyle/>
-          <a:p>
-            <a:r>
-              <a:rPr lang="en-US" dirty="0"/>
-              <a:t>var c=</a:t>
-            </a:r>
-            <a:r>
-              <a:rPr lang="en-US" dirty="0" err="1"/>
-              <a:t>document.cookie</a:t>
-            </a:r>
-            <a:r>
-              <a:rPr lang="en-US" dirty="0"/>
-              <a:t>;</a:t>
-            </a:r>
-          </a:p>
-        </p:txBody>
-      </p:sp>
-      <p:sp>
-        <p:nvSpPr>
-          <p:cNvPr id="36" name="TextBox 35">
-            <a:extLst>
-              <a:ext uri="{FF2B5EF4-FFF2-40B4-BE49-F238E27FC236}">
-                <a16:creationId xmlns:a16="http://schemas.microsoft.com/office/drawing/2014/main" id="{6744F569-8953-25D4-3AE2-F893A551204C}"/>
-              </a:ext>
-            </a:extLst>
-          </p:cNvPr>
-          <p:cNvSpPr txBox="1"/>
-          <p:nvPr/>
-        </p:nvSpPr>
-        <p:spPr>
-          <a:xfrm>
-            <a:off x="5874067" y="6073833"/>
-            <a:ext cx="5151318" cy="369332"/>
-          </a:xfrm>
-          <a:prstGeom prst="rect">
-            <a:avLst/>
-          </a:prstGeom>
-          <a:noFill/>
-        </p:spPr>
-        <p:txBody>
-          <a:bodyPr wrap="square" rtlCol="0">
-            <a:spAutoFit/>
-          </a:bodyPr>
-          <a:lstStyle/>
-          <a:p>
-            <a:pPr algn="r" rtl="1"/>
-            <a:r>
-              <a:rPr lang="fa-IR" dirty="0"/>
-              <a:t>خواندن کوکی ها</a:t>
+              <a:t>اتبارسنجی</a:t>
             </a:r>
             <a:endParaRPr lang="en-US" dirty="0"/>
           </a:p>
@@ -7335,7 +6697,7 @@
     </p:spTree>
     <p:extLst>
       <p:ext uri="{BB962C8B-B14F-4D97-AF65-F5344CB8AC3E}">
-        <p14:creationId xmlns:p14="http://schemas.microsoft.com/office/powerpoint/2010/main" val="1307904375"/>
+        <p14:creationId xmlns:p14="http://schemas.microsoft.com/office/powerpoint/2010/main" val="218955460"/>
       </p:ext>
     </p:extLst>
   </p:cSld>
@@ -7391,17 +6753,10 @@
           <a:lstStyle/>
           <a:p>
             <a:r>
-              <a:rPr lang="en-US" dirty="0"/>
-              <a:t>alert(“</a:t>
-            </a:r>
-            <a:r>
-              <a:rPr lang="fa-IR" dirty="0"/>
-              <a:t>متن</a:t>
-            </a:r>
-            <a:r>
-              <a:rPr lang="en-US" dirty="0"/>
-              <a:t>”);</a:t>
-            </a:r>
+              <a:rPr lang="en-US" dirty="0" err="1"/>
+              <a:t>window.innerWidth</a:t>
+            </a:r>
+            <a:endParaRPr lang="en-US" dirty="0"/>
           </a:p>
         </p:txBody>
       </p:sp>
@@ -7436,7 +6791,7 @@
             <a:pPr algn="r" rtl="1"/>
             <a:r>
               <a:rPr lang="fa-IR" dirty="0"/>
-              <a:t>پنجره بازشو از بالا</a:t>
+              <a:t>عرض صفحه مرورگر</a:t>
             </a:r>
             <a:endParaRPr lang="en-US" dirty="0"/>
           </a:p>
@@ -7472,12 +6827,12 @@
           <a:p>
             <a:pPr algn="r" rtl="1"/>
             <a:r>
-              <a:rPr lang="en-US" dirty="0"/>
-              <a:t>Popup</a:t>
-            </a:r>
-            <a:r>
               <a:rPr lang="fa-IR" dirty="0"/>
-              <a:t> ها</a:t>
+              <a:t>توابع </a:t>
+            </a:r>
+            <a:r>
+              <a:rPr lang="en-US" dirty="0" err="1"/>
+              <a:t>bom</a:t>
             </a:r>
             <a:endParaRPr lang="en-US" dirty="0"/>
           </a:p>
@@ -7485,6 +6840,79 @@
       </p:sp>
       <p:sp>
         <p:nvSpPr>
+          <p:cNvPr id="14" name="TextBox 13">
+            <a:extLst>
+              <a:ext uri="{FF2B5EF4-FFF2-40B4-BE49-F238E27FC236}">
+                <a16:creationId xmlns:a16="http://schemas.microsoft.com/office/drawing/2014/main" id="{FEC3DF8E-7E26-FDF2-BC8F-CB4BFC1EE0DE}"/>
+              </a:ext>
+            </a:extLst>
+          </p:cNvPr>
+          <p:cNvSpPr txBox="1"/>
+          <p:nvPr/>
+        </p:nvSpPr>
+        <p:spPr>
+          <a:xfrm>
+            <a:off x="837372" y="3651182"/>
+            <a:ext cx="5151318" cy="369332"/>
+          </a:xfrm>
+          <a:prstGeom prst="rect">
+            <a:avLst/>
+          </a:prstGeom>
+          <a:noFill/>
+        </p:spPr>
+        <p:txBody>
+          <a:bodyPr wrap="square" rtlCol="0">
+            <a:spAutoFit/>
+          </a:bodyPr>
+          <a:lstStyle/>
+          <a:p>
+            <a:r>
+              <a:rPr lang="en-US" dirty="0" err="1"/>
+              <a:t>window.location.href</a:t>
+            </a:r>
+            <a:endParaRPr lang="en-US" dirty="0"/>
+          </a:p>
+        </p:txBody>
+      </p:sp>
+      <p:sp>
+        <p:nvSpPr>
+          <p:cNvPr id="15" name="TextBox 14">
+            <a:extLst>
+              <a:ext uri="{FF2B5EF4-FFF2-40B4-BE49-F238E27FC236}">
+                <a16:creationId xmlns:a16="http://schemas.microsoft.com/office/drawing/2014/main" id="{FB26DA7B-9737-01C2-1981-0CCB59ED9240}"/>
+              </a:ext>
+            </a:extLst>
+          </p:cNvPr>
+          <p:cNvSpPr txBox="1"/>
+          <p:nvPr/>
+        </p:nvSpPr>
+        <p:spPr>
+          <a:xfrm>
+            <a:off x="6217028" y="3011181"/>
+            <a:ext cx="5151318" cy="369332"/>
+          </a:xfrm>
+          <a:prstGeom prst="rect">
+            <a:avLst/>
+          </a:prstGeom>
+          <a:noFill/>
+        </p:spPr>
+        <p:txBody>
+          <a:bodyPr wrap="square" rtlCol="0">
+            <a:spAutoFit/>
+          </a:bodyPr>
+          <a:lstStyle/>
+          <a:p>
+            <a:pPr algn="r" rtl="1"/>
+            <a:r>
+              <a:rPr lang="fa-IR" dirty="0"/>
+              <a:t>آدرس صفحه جاری</a:t>
+            </a:r>
+            <a:endParaRPr lang="en-US" dirty="0"/>
+          </a:p>
+        </p:txBody>
+      </p:sp>
+      <p:sp>
+        <p:nvSpPr>
           <p:cNvPr id="2" name="TextBox 1">
             <a:extLst>
               <a:ext uri="{FF2B5EF4-FFF2-40B4-BE49-F238E27FC236}">
@@ -7497,7 +6925,7 @@
         </p:nvSpPr>
         <p:spPr>
           <a:xfrm>
-            <a:off x="837372" y="2014773"/>
+            <a:off x="837372" y="1416106"/>
             <a:ext cx="8388222" cy="369332"/>
           </a:xfrm>
           <a:prstGeom prst="rect">
@@ -7512,84 +6940,281 @@
           <a:lstStyle/>
           <a:p>
             <a:r>
-              <a:rPr lang="en-US" dirty="0"/>
-              <a:t>If(confirm(“</a:t>
-            </a:r>
+              <a:rPr lang="en-US" dirty="0" err="1"/>
+              <a:t>document.documentElement.clientWidth</a:t>
+            </a:r>
+            <a:endParaRPr lang="en-US" dirty="0"/>
+          </a:p>
+        </p:txBody>
+      </p:sp>
+      <p:sp>
+        <p:nvSpPr>
+          <p:cNvPr id="5" name="TextBox 4">
+            <a:extLst>
+              <a:ext uri="{FF2B5EF4-FFF2-40B4-BE49-F238E27FC236}">
+                <a16:creationId xmlns:a16="http://schemas.microsoft.com/office/drawing/2014/main" id="{D084C10F-02BD-2A45-6C17-5A63AFE93518}"/>
+              </a:ext>
+            </a:extLst>
+          </p:cNvPr>
+          <p:cNvSpPr txBox="1"/>
+          <p:nvPr/>
+        </p:nvSpPr>
+        <p:spPr>
+          <a:xfrm>
+            <a:off x="837372" y="1784495"/>
+            <a:ext cx="8388222" cy="369332"/>
+          </a:xfrm>
+          <a:prstGeom prst="rect">
+            <a:avLst/>
+          </a:prstGeom>
+          <a:noFill/>
+        </p:spPr>
+        <p:txBody>
+          <a:bodyPr wrap="square" rtlCol="0">
+            <a:spAutoFit/>
+          </a:bodyPr>
+          <a:lstStyle/>
+          <a:p>
+            <a:r>
+              <a:rPr lang="en-US" dirty="0" err="1"/>
+              <a:t>document.body.clientWidth</a:t>
+            </a:r>
+            <a:endParaRPr lang="en-US" dirty="0"/>
+          </a:p>
+        </p:txBody>
+      </p:sp>
+      <p:sp>
+        <p:nvSpPr>
+          <p:cNvPr id="6" name="TextBox 5">
+            <a:extLst>
+              <a:ext uri="{FF2B5EF4-FFF2-40B4-BE49-F238E27FC236}">
+                <a16:creationId xmlns:a16="http://schemas.microsoft.com/office/drawing/2014/main" id="{AD82DEED-DAB5-73BA-22F2-171889B2C04F}"/>
+              </a:ext>
+            </a:extLst>
+          </p:cNvPr>
+          <p:cNvSpPr txBox="1"/>
+          <p:nvPr/>
+        </p:nvSpPr>
+        <p:spPr>
+          <a:xfrm>
+            <a:off x="837372" y="2087050"/>
+            <a:ext cx="8388222" cy="369332"/>
+          </a:xfrm>
+          <a:prstGeom prst="rect">
+            <a:avLst/>
+          </a:prstGeom>
+          <a:noFill/>
+        </p:spPr>
+        <p:txBody>
+          <a:bodyPr wrap="square" rtlCol="0">
+            <a:spAutoFit/>
+          </a:bodyPr>
+          <a:lstStyle/>
+          <a:p>
+            <a:r>
+              <a:rPr lang="en-US" dirty="0" err="1"/>
+              <a:t>window.innerHeight</a:t>
+            </a:r>
+            <a:endParaRPr lang="en-US" dirty="0"/>
+          </a:p>
+        </p:txBody>
+      </p:sp>
+      <p:sp>
+        <p:nvSpPr>
+          <p:cNvPr id="7" name="TextBox 6">
+            <a:extLst>
+              <a:ext uri="{FF2B5EF4-FFF2-40B4-BE49-F238E27FC236}">
+                <a16:creationId xmlns:a16="http://schemas.microsoft.com/office/drawing/2014/main" id="{E8AABD2D-B6C9-B573-C12D-C2B71478343C}"/>
+              </a:ext>
+            </a:extLst>
+          </p:cNvPr>
+          <p:cNvSpPr txBox="1"/>
+          <p:nvPr/>
+        </p:nvSpPr>
+        <p:spPr>
+          <a:xfrm>
+            <a:off x="6296600" y="1798085"/>
+            <a:ext cx="5151318" cy="369332"/>
+          </a:xfrm>
+          <a:prstGeom prst="rect">
+            <a:avLst/>
+          </a:prstGeom>
+          <a:noFill/>
+        </p:spPr>
+        <p:txBody>
+          <a:bodyPr wrap="square" rtlCol="0">
+            <a:spAutoFit/>
+          </a:bodyPr>
+          <a:lstStyle/>
+          <a:p>
+            <a:pPr algn="r" rtl="1"/>
             <a:r>
               <a:rPr lang="fa-IR" dirty="0"/>
-              <a:t>متن</a:t>
-            </a:r>
-            <a:r>
-              <a:rPr lang="en-US" dirty="0"/>
-              <a:t>”)){…}</a:t>
-            </a:r>
-          </a:p>
-        </p:txBody>
-      </p:sp>
-      <p:sp>
-        <p:nvSpPr>
-          <p:cNvPr id="5" name="TextBox 4">
-            <a:extLst>
-              <a:ext uri="{FF2B5EF4-FFF2-40B4-BE49-F238E27FC236}">
-                <a16:creationId xmlns:a16="http://schemas.microsoft.com/office/drawing/2014/main" id="{D084C10F-02BD-2A45-6C17-5A63AFE93518}"/>
-              </a:ext>
-            </a:extLst>
-          </p:cNvPr>
-          <p:cNvSpPr txBox="1"/>
-          <p:nvPr/>
-        </p:nvSpPr>
-        <p:spPr>
-          <a:xfrm>
-            <a:off x="837372" y="3193929"/>
-            <a:ext cx="8388222" cy="646331"/>
-          </a:xfrm>
-          <a:prstGeom prst="rect">
-            <a:avLst/>
-          </a:prstGeom>
-          <a:noFill/>
-        </p:spPr>
-        <p:txBody>
-          <a:bodyPr wrap="square" rtlCol="0">
-            <a:spAutoFit/>
-          </a:bodyPr>
-          <a:lstStyle/>
-          <a:p>
-            <a:r>
-              <a:rPr lang="en-US" dirty="0"/>
-              <a:t>var txt=prompt(“</a:t>
-            </a:r>
-            <a:r>
-              <a:rPr lang="en-US" dirty="0" err="1"/>
-              <a:t>text”,”default</a:t>
-            </a:r>
-            <a:r>
-              <a:rPr lang="en-US" dirty="0"/>
-              <a:t>”);</a:t>
-            </a:r>
-          </a:p>
-          <a:p>
-            <a:r>
-              <a:rPr lang="en-US" dirty="0"/>
-              <a:t>If(txt!=null &amp;&amp; txt!=“”){console.log(txt);}</a:t>
-            </a:r>
-          </a:p>
-        </p:txBody>
-      </p:sp>
-      <p:sp>
-        <p:nvSpPr>
-          <p:cNvPr id="7" name="TextBox 6">
-            <a:extLst>
-              <a:ext uri="{FF2B5EF4-FFF2-40B4-BE49-F238E27FC236}">
-                <a16:creationId xmlns:a16="http://schemas.microsoft.com/office/drawing/2014/main" id="{E8AABD2D-B6C9-B573-C12D-C2B71478343C}"/>
-              </a:ext>
-            </a:extLst>
-          </p:cNvPr>
-          <p:cNvSpPr txBox="1"/>
-          <p:nvPr/>
-        </p:nvSpPr>
-        <p:spPr>
-          <a:xfrm>
-            <a:off x="6203310" y="1824476"/>
+              <a:t>ارتفاع صفحه مرورگر</a:t>
+            </a:r>
+            <a:endParaRPr lang="en-US" dirty="0"/>
+          </a:p>
+        </p:txBody>
+      </p:sp>
+      <p:sp>
+        <p:nvSpPr>
+          <p:cNvPr id="9" name="TextBox 8">
+            <a:extLst>
+              <a:ext uri="{FF2B5EF4-FFF2-40B4-BE49-F238E27FC236}">
+                <a16:creationId xmlns:a16="http://schemas.microsoft.com/office/drawing/2014/main" id="{CB3C5F4B-5B1F-D18F-0DAF-3CEEDE7FD425}"/>
+              </a:ext>
+            </a:extLst>
+          </p:cNvPr>
+          <p:cNvSpPr txBox="1"/>
+          <p:nvPr/>
+        </p:nvSpPr>
+        <p:spPr>
+          <a:xfrm>
+            <a:off x="837372" y="2398848"/>
+            <a:ext cx="8388222" cy="369332"/>
+          </a:xfrm>
+          <a:prstGeom prst="rect">
+            <a:avLst/>
+          </a:prstGeom>
+          <a:noFill/>
+        </p:spPr>
+        <p:txBody>
+          <a:bodyPr wrap="square" rtlCol="0">
+            <a:spAutoFit/>
+          </a:bodyPr>
+          <a:lstStyle/>
+          <a:p>
+            <a:r>
+              <a:rPr lang="en-US" dirty="0" err="1"/>
+              <a:t>document.documentElement.clientHeight</a:t>
+            </a:r>
+            <a:endParaRPr lang="en-US" dirty="0"/>
+          </a:p>
+        </p:txBody>
+      </p:sp>
+      <p:sp>
+        <p:nvSpPr>
+          <p:cNvPr id="10" name="TextBox 9">
+            <a:extLst>
+              <a:ext uri="{FF2B5EF4-FFF2-40B4-BE49-F238E27FC236}">
+                <a16:creationId xmlns:a16="http://schemas.microsoft.com/office/drawing/2014/main" id="{D9FEAB80-24E1-CD67-9E18-30E0CA4A8B64}"/>
+              </a:ext>
+            </a:extLst>
+          </p:cNvPr>
+          <p:cNvSpPr txBox="1"/>
+          <p:nvPr/>
+        </p:nvSpPr>
+        <p:spPr>
+          <a:xfrm>
+            <a:off x="837372" y="2756962"/>
+            <a:ext cx="8388222" cy="369332"/>
+          </a:xfrm>
+          <a:prstGeom prst="rect">
+            <a:avLst/>
+          </a:prstGeom>
+          <a:noFill/>
+        </p:spPr>
+        <p:txBody>
+          <a:bodyPr wrap="square" rtlCol="0">
+            <a:spAutoFit/>
+          </a:bodyPr>
+          <a:lstStyle/>
+          <a:p>
+            <a:r>
+              <a:rPr lang="en-US" dirty="0" err="1"/>
+              <a:t>document.body.clientHeight</a:t>
+            </a:r>
+            <a:endParaRPr lang="en-US" dirty="0"/>
+          </a:p>
+        </p:txBody>
+      </p:sp>
+      <p:sp>
+        <p:nvSpPr>
+          <p:cNvPr id="11" name="TextBox 10">
+            <a:extLst>
+              <a:ext uri="{FF2B5EF4-FFF2-40B4-BE49-F238E27FC236}">
+                <a16:creationId xmlns:a16="http://schemas.microsoft.com/office/drawing/2014/main" id="{B013256C-053B-7089-4CED-C55AD003B037}"/>
+              </a:ext>
+            </a:extLst>
+          </p:cNvPr>
+          <p:cNvSpPr txBox="1"/>
+          <p:nvPr/>
+        </p:nvSpPr>
+        <p:spPr>
+          <a:xfrm>
+            <a:off x="851086" y="3078690"/>
+            <a:ext cx="8388222" cy="369332"/>
+          </a:xfrm>
+          <a:prstGeom prst="rect">
+            <a:avLst/>
+          </a:prstGeom>
+          <a:noFill/>
+        </p:spPr>
+        <p:txBody>
+          <a:bodyPr wrap="square" rtlCol="0">
+            <a:spAutoFit/>
+          </a:bodyPr>
+          <a:lstStyle/>
+          <a:p>
+            <a:r>
+              <a:rPr lang="en-US" dirty="0" err="1"/>
+              <a:t>screen.availWidth</a:t>
+            </a:r>
+            <a:endParaRPr lang="en-US" dirty="0"/>
+          </a:p>
+        </p:txBody>
+      </p:sp>
+      <p:sp>
+        <p:nvSpPr>
+          <p:cNvPr id="12" name="TextBox 11">
+            <a:extLst>
+              <a:ext uri="{FF2B5EF4-FFF2-40B4-BE49-F238E27FC236}">
+                <a16:creationId xmlns:a16="http://schemas.microsoft.com/office/drawing/2014/main" id="{F04758D6-5767-706B-BE35-9866A354DF31}"/>
+              </a:ext>
+            </a:extLst>
+          </p:cNvPr>
+          <p:cNvSpPr txBox="1"/>
+          <p:nvPr/>
+        </p:nvSpPr>
+        <p:spPr>
+          <a:xfrm>
+            <a:off x="851086" y="3332171"/>
+            <a:ext cx="8388222" cy="369332"/>
+          </a:xfrm>
+          <a:prstGeom prst="rect">
+            <a:avLst/>
+          </a:prstGeom>
+          <a:noFill/>
+        </p:spPr>
+        <p:txBody>
+          <a:bodyPr wrap="square" rtlCol="0">
+            <a:spAutoFit/>
+          </a:bodyPr>
+          <a:lstStyle/>
+          <a:p>
+            <a:r>
+              <a:rPr lang="en-US" dirty="0" err="1"/>
+              <a:t>screen.availHeight</a:t>
+            </a:r>
+            <a:endParaRPr lang="en-US" dirty="0"/>
+          </a:p>
+        </p:txBody>
+      </p:sp>
+      <p:sp>
+        <p:nvSpPr>
+          <p:cNvPr id="13" name="TextBox 12">
+            <a:extLst>
+              <a:ext uri="{FF2B5EF4-FFF2-40B4-BE49-F238E27FC236}">
+                <a16:creationId xmlns:a16="http://schemas.microsoft.com/office/drawing/2014/main" id="{EDA87CFE-C038-27FB-819D-6E8863289DEE}"/>
+              </a:ext>
+            </a:extLst>
+          </p:cNvPr>
+          <p:cNvSpPr txBox="1"/>
+          <p:nvPr/>
+        </p:nvSpPr>
+        <p:spPr>
+          <a:xfrm>
+            <a:off x="6203312" y="2745347"/>
             <a:ext cx="5151318" cy="369332"/>
           </a:xfrm>
           <a:prstGeom prst="rect">
@@ -7606,7 +7231,7 @@
             <a:pPr algn="r" rtl="1"/>
             <a:r>
               <a:rPr lang="fa-IR" dirty="0"/>
-              <a:t>سوال از کاربر</a:t>
+              <a:t>عرض و ارتفاع صفحه نمایش</a:t>
             </a:r>
             <a:endParaRPr lang="en-US" dirty="0"/>
           </a:p>
@@ -7614,19 +7239,19 @@
       </p:sp>
       <p:sp>
         <p:nvSpPr>
-          <p:cNvPr id="29" name="TextBox 28">
-            <a:extLst>
-              <a:ext uri="{FF2B5EF4-FFF2-40B4-BE49-F238E27FC236}">
-                <a16:creationId xmlns:a16="http://schemas.microsoft.com/office/drawing/2014/main" id="{F3F0945E-BFC5-C0F2-226F-28868698061C}"/>
-              </a:ext>
-            </a:extLst>
-          </p:cNvPr>
-          <p:cNvSpPr txBox="1"/>
-          <p:nvPr/>
-        </p:nvSpPr>
-        <p:spPr>
-          <a:xfrm>
-            <a:off x="6096000" y="3332428"/>
+          <p:cNvPr id="16" name="TextBox 15">
+            <a:extLst>
+              <a:ext uri="{FF2B5EF4-FFF2-40B4-BE49-F238E27FC236}">
+                <a16:creationId xmlns:a16="http://schemas.microsoft.com/office/drawing/2014/main" id="{CC3EC8E6-30EF-866A-BA3A-0B561BDD06BF}"/>
+              </a:ext>
+            </a:extLst>
+          </p:cNvPr>
+          <p:cNvSpPr txBox="1"/>
+          <p:nvPr/>
+        </p:nvSpPr>
+        <p:spPr>
+          <a:xfrm>
+            <a:off x="851086" y="3936044"/>
             <a:ext cx="5151318" cy="369332"/>
           </a:xfrm>
           <a:prstGeom prst="rect">
@@ -7640,10 +7265,673 @@
           </a:bodyPr>
           <a:lstStyle/>
           <a:p>
+            <a:r>
+              <a:rPr lang="en-US" dirty="0" err="1"/>
+              <a:t>window.location.hostname</a:t>
+            </a:r>
+            <a:endParaRPr lang="en-US" dirty="0"/>
+          </a:p>
+        </p:txBody>
+      </p:sp>
+      <p:sp>
+        <p:nvSpPr>
+          <p:cNvPr id="17" name="TextBox 16">
+            <a:extLst>
+              <a:ext uri="{FF2B5EF4-FFF2-40B4-BE49-F238E27FC236}">
+                <a16:creationId xmlns:a16="http://schemas.microsoft.com/office/drawing/2014/main" id="{2C094C16-CD37-C53A-FB62-73311EC8D6CE}"/>
+              </a:ext>
+            </a:extLst>
+          </p:cNvPr>
+          <p:cNvSpPr txBox="1"/>
+          <p:nvPr/>
+        </p:nvSpPr>
+        <p:spPr>
+          <a:xfrm>
+            <a:off x="6217028" y="3394062"/>
+            <a:ext cx="5151318" cy="369332"/>
+          </a:xfrm>
+          <a:prstGeom prst="rect">
+            <a:avLst/>
+          </a:prstGeom>
+          <a:noFill/>
+        </p:spPr>
+        <p:txBody>
+          <a:bodyPr wrap="square" rtlCol="0">
+            <a:spAutoFit/>
+          </a:bodyPr>
+          <a:lstStyle/>
+          <a:p>
             <a:pPr algn="r" rtl="1"/>
             <a:r>
               <a:rPr lang="fa-IR" dirty="0"/>
-              <a:t>دریافت مقدار از کاربر</a:t>
+              <a:t>آدرس دامنه جاری</a:t>
+            </a:r>
+            <a:endParaRPr lang="en-US" dirty="0"/>
+          </a:p>
+        </p:txBody>
+      </p:sp>
+      <p:sp>
+        <p:nvSpPr>
+          <p:cNvPr id="18" name="TextBox 17">
+            <a:extLst>
+              <a:ext uri="{FF2B5EF4-FFF2-40B4-BE49-F238E27FC236}">
+                <a16:creationId xmlns:a16="http://schemas.microsoft.com/office/drawing/2014/main" id="{F43F7C2C-F6E6-7EB0-4916-4C79F0D7D9E6}"/>
+              </a:ext>
+            </a:extLst>
+          </p:cNvPr>
+          <p:cNvSpPr txBox="1"/>
+          <p:nvPr/>
+        </p:nvSpPr>
+        <p:spPr>
+          <a:xfrm>
+            <a:off x="837372" y="4212343"/>
+            <a:ext cx="5151318" cy="369332"/>
+          </a:xfrm>
+          <a:prstGeom prst="rect">
+            <a:avLst/>
+          </a:prstGeom>
+          <a:noFill/>
+        </p:spPr>
+        <p:txBody>
+          <a:bodyPr wrap="square" rtlCol="0">
+            <a:spAutoFit/>
+          </a:bodyPr>
+          <a:lstStyle/>
+          <a:p>
+            <a:r>
+              <a:rPr lang="en-US" dirty="0" err="1"/>
+              <a:t>window.location.pathname</a:t>
+            </a:r>
+            <a:endParaRPr lang="en-US" dirty="0"/>
+          </a:p>
+        </p:txBody>
+      </p:sp>
+      <p:sp>
+        <p:nvSpPr>
+          <p:cNvPr id="19" name="TextBox 18">
+            <a:extLst>
+              <a:ext uri="{FF2B5EF4-FFF2-40B4-BE49-F238E27FC236}">
+                <a16:creationId xmlns:a16="http://schemas.microsoft.com/office/drawing/2014/main" id="{6819D844-F4B7-AB17-CB6E-241C8B516B4D}"/>
+              </a:ext>
+            </a:extLst>
+          </p:cNvPr>
+          <p:cNvSpPr txBox="1"/>
+          <p:nvPr/>
+        </p:nvSpPr>
+        <p:spPr>
+          <a:xfrm>
+            <a:off x="6217028" y="3808195"/>
+            <a:ext cx="5151318" cy="369332"/>
+          </a:xfrm>
+          <a:prstGeom prst="rect">
+            <a:avLst/>
+          </a:prstGeom>
+          <a:noFill/>
+        </p:spPr>
+        <p:txBody>
+          <a:bodyPr wrap="square" rtlCol="0">
+            <a:spAutoFit/>
+          </a:bodyPr>
+          <a:lstStyle/>
+          <a:p>
+            <a:pPr algn="r" rtl="1"/>
+            <a:r>
+              <a:rPr lang="fa-IR" dirty="0"/>
+              <a:t>مسیرجاری</a:t>
+            </a:r>
+            <a:endParaRPr lang="en-US" dirty="0"/>
+          </a:p>
+        </p:txBody>
+      </p:sp>
+      <p:sp>
+        <p:nvSpPr>
+          <p:cNvPr id="20" name="TextBox 19">
+            <a:extLst>
+              <a:ext uri="{FF2B5EF4-FFF2-40B4-BE49-F238E27FC236}">
+                <a16:creationId xmlns:a16="http://schemas.microsoft.com/office/drawing/2014/main" id="{3956419F-ADBF-DBC6-01CF-076D49F7F1D6}"/>
+              </a:ext>
+            </a:extLst>
+          </p:cNvPr>
+          <p:cNvSpPr txBox="1"/>
+          <p:nvPr/>
+        </p:nvSpPr>
+        <p:spPr>
+          <a:xfrm>
+            <a:off x="851086" y="4458515"/>
+            <a:ext cx="5151318" cy="369332"/>
+          </a:xfrm>
+          <a:prstGeom prst="rect">
+            <a:avLst/>
+          </a:prstGeom>
+          <a:noFill/>
+        </p:spPr>
+        <p:txBody>
+          <a:bodyPr wrap="square" rtlCol="0">
+            <a:spAutoFit/>
+          </a:bodyPr>
+          <a:lstStyle/>
+          <a:p>
+            <a:r>
+              <a:rPr lang="en-US" dirty="0" err="1"/>
+              <a:t>window.location.protocol</a:t>
+            </a:r>
+            <a:endParaRPr lang="en-US" dirty="0"/>
+          </a:p>
+        </p:txBody>
+      </p:sp>
+      <p:sp>
+        <p:nvSpPr>
+          <p:cNvPr id="21" name="TextBox 20">
+            <a:extLst>
+              <a:ext uri="{FF2B5EF4-FFF2-40B4-BE49-F238E27FC236}">
+                <a16:creationId xmlns:a16="http://schemas.microsoft.com/office/drawing/2014/main" id="{B2CA4FC1-7A54-930E-12A5-BC0552C7E9CA}"/>
+              </a:ext>
+            </a:extLst>
+          </p:cNvPr>
+          <p:cNvSpPr txBox="1"/>
+          <p:nvPr/>
+        </p:nvSpPr>
+        <p:spPr>
+          <a:xfrm>
+            <a:off x="6217028" y="4139997"/>
+            <a:ext cx="5151318" cy="369332"/>
+          </a:xfrm>
+          <a:prstGeom prst="rect">
+            <a:avLst/>
+          </a:prstGeom>
+          <a:noFill/>
+        </p:spPr>
+        <p:txBody>
+          <a:bodyPr wrap="square" rtlCol="0">
+            <a:spAutoFit/>
+          </a:bodyPr>
+          <a:lstStyle/>
+          <a:p>
+            <a:pPr algn="r" rtl="1"/>
+            <a:r>
+              <a:rPr lang="fa-IR" dirty="0"/>
+              <a:t>پروتکل صفحه</a:t>
+            </a:r>
+            <a:r>
+              <a:rPr lang="en-US" dirty="0"/>
+              <a:t> </a:t>
+            </a:r>
+            <a:r>
+              <a:rPr lang="fa-IR" dirty="0"/>
+              <a:t>جاری</a:t>
+            </a:r>
+            <a:endParaRPr lang="en-US" dirty="0"/>
+          </a:p>
+        </p:txBody>
+      </p:sp>
+      <p:sp>
+        <p:nvSpPr>
+          <p:cNvPr id="22" name="TextBox 21">
+            <a:extLst>
+              <a:ext uri="{FF2B5EF4-FFF2-40B4-BE49-F238E27FC236}">
+                <a16:creationId xmlns:a16="http://schemas.microsoft.com/office/drawing/2014/main" id="{B27C0556-2621-E7BD-E5B7-DDB6D93E1290}"/>
+              </a:ext>
+            </a:extLst>
+          </p:cNvPr>
+          <p:cNvSpPr txBox="1"/>
+          <p:nvPr/>
+        </p:nvSpPr>
+        <p:spPr>
+          <a:xfrm>
+            <a:off x="864800" y="4694289"/>
+            <a:ext cx="5151318" cy="369332"/>
+          </a:xfrm>
+          <a:prstGeom prst="rect">
+            <a:avLst/>
+          </a:prstGeom>
+          <a:noFill/>
+        </p:spPr>
+        <p:txBody>
+          <a:bodyPr wrap="square" rtlCol="0">
+            <a:spAutoFit/>
+          </a:bodyPr>
+          <a:lstStyle/>
+          <a:p>
+            <a:r>
+              <a:rPr lang="en-US" dirty="0" err="1"/>
+              <a:t>window.location.port</a:t>
+            </a:r>
+            <a:endParaRPr lang="en-US" dirty="0"/>
+          </a:p>
+        </p:txBody>
+      </p:sp>
+      <p:sp>
+        <p:nvSpPr>
+          <p:cNvPr id="23" name="TextBox 22">
+            <a:extLst>
+              <a:ext uri="{FF2B5EF4-FFF2-40B4-BE49-F238E27FC236}">
+                <a16:creationId xmlns:a16="http://schemas.microsoft.com/office/drawing/2014/main" id="{EBE56A23-40C9-9BEF-8B88-9628988E0809}"/>
+              </a:ext>
+            </a:extLst>
+          </p:cNvPr>
+          <p:cNvSpPr txBox="1"/>
+          <p:nvPr/>
+        </p:nvSpPr>
+        <p:spPr>
+          <a:xfrm>
+            <a:off x="6217028" y="4424512"/>
+            <a:ext cx="5151318" cy="369332"/>
+          </a:xfrm>
+          <a:prstGeom prst="rect">
+            <a:avLst/>
+          </a:prstGeom>
+          <a:noFill/>
+        </p:spPr>
+        <p:txBody>
+          <a:bodyPr wrap="square" rtlCol="0">
+            <a:spAutoFit/>
+          </a:bodyPr>
+          <a:lstStyle/>
+          <a:p>
+            <a:pPr algn="r" rtl="1"/>
+            <a:r>
+              <a:rPr lang="fa-IR" dirty="0"/>
+              <a:t>پورت مورد استفاده</a:t>
+            </a:r>
+            <a:r>
+              <a:rPr lang="en-US" dirty="0"/>
+              <a:t> </a:t>
+            </a:r>
+            <a:r>
+              <a:rPr lang="fa-IR" dirty="0"/>
+              <a:t>جاری</a:t>
+            </a:r>
+            <a:endParaRPr lang="en-US" dirty="0"/>
+          </a:p>
+        </p:txBody>
+      </p:sp>
+      <p:sp>
+        <p:nvSpPr>
+          <p:cNvPr id="24" name="TextBox 23">
+            <a:extLst>
+              <a:ext uri="{FF2B5EF4-FFF2-40B4-BE49-F238E27FC236}">
+                <a16:creationId xmlns:a16="http://schemas.microsoft.com/office/drawing/2014/main" id="{E130E543-387B-3114-32F7-2BA4905C2135}"/>
+              </a:ext>
+            </a:extLst>
+          </p:cNvPr>
+          <p:cNvSpPr txBox="1"/>
+          <p:nvPr/>
+        </p:nvSpPr>
+        <p:spPr>
+          <a:xfrm>
+            <a:off x="864800" y="4930945"/>
+            <a:ext cx="5151318" cy="369332"/>
+          </a:xfrm>
+          <a:prstGeom prst="rect">
+            <a:avLst/>
+          </a:prstGeom>
+          <a:noFill/>
+        </p:spPr>
+        <p:txBody>
+          <a:bodyPr wrap="square" rtlCol="0">
+            <a:spAutoFit/>
+          </a:bodyPr>
+          <a:lstStyle/>
+          <a:p>
+            <a:r>
+              <a:rPr lang="en-US" dirty="0" err="1"/>
+              <a:t>window.location.assign</a:t>
+            </a:r>
+            <a:r>
+              <a:rPr lang="en-US" dirty="0"/>
+              <a:t>(</a:t>
+            </a:r>
+            <a:r>
+              <a:rPr lang="en-US" dirty="0" err="1"/>
+              <a:t>url</a:t>
+            </a:r>
+            <a:r>
+              <a:rPr lang="en-US" dirty="0"/>
+              <a:t>);</a:t>
+            </a:r>
+          </a:p>
+        </p:txBody>
+      </p:sp>
+      <p:sp>
+        <p:nvSpPr>
+          <p:cNvPr id="25" name="TextBox 24">
+            <a:extLst>
+              <a:ext uri="{FF2B5EF4-FFF2-40B4-BE49-F238E27FC236}">
+                <a16:creationId xmlns:a16="http://schemas.microsoft.com/office/drawing/2014/main" id="{33BDBD37-D378-38B4-CECD-F70E5B12068E}"/>
+              </a:ext>
+            </a:extLst>
+          </p:cNvPr>
+          <p:cNvSpPr txBox="1"/>
+          <p:nvPr/>
+        </p:nvSpPr>
+        <p:spPr>
+          <a:xfrm>
+            <a:off x="6217028" y="4738796"/>
+            <a:ext cx="5151318" cy="369332"/>
+          </a:xfrm>
+          <a:prstGeom prst="rect">
+            <a:avLst/>
+          </a:prstGeom>
+          <a:noFill/>
+        </p:spPr>
+        <p:txBody>
+          <a:bodyPr wrap="square" rtlCol="0">
+            <a:spAutoFit/>
+          </a:bodyPr>
+          <a:lstStyle/>
+          <a:p>
+            <a:pPr algn="r" rtl="1"/>
+            <a:r>
+              <a:rPr lang="fa-IR" dirty="0"/>
+              <a:t>تغییر محتویات صفحه با مسیر جدید (رفتن به آدرس دیگر)</a:t>
+            </a:r>
+            <a:endParaRPr lang="en-US" dirty="0"/>
+          </a:p>
+        </p:txBody>
+      </p:sp>
+      <p:sp>
+        <p:nvSpPr>
+          <p:cNvPr id="26" name="TextBox 25">
+            <a:extLst>
+              <a:ext uri="{FF2B5EF4-FFF2-40B4-BE49-F238E27FC236}">
+                <a16:creationId xmlns:a16="http://schemas.microsoft.com/office/drawing/2014/main" id="{039F8A16-ED51-87F1-77AC-F064F7095AB5}"/>
+              </a:ext>
+            </a:extLst>
+          </p:cNvPr>
+          <p:cNvSpPr txBox="1"/>
+          <p:nvPr/>
+        </p:nvSpPr>
+        <p:spPr>
+          <a:xfrm>
+            <a:off x="864800" y="5189327"/>
+            <a:ext cx="5151318" cy="369332"/>
+          </a:xfrm>
+          <a:prstGeom prst="rect">
+            <a:avLst/>
+          </a:prstGeom>
+          <a:noFill/>
+        </p:spPr>
+        <p:txBody>
+          <a:bodyPr wrap="square" rtlCol="0">
+            <a:spAutoFit/>
+          </a:bodyPr>
+          <a:lstStyle/>
+          <a:p>
+            <a:r>
+              <a:rPr lang="en-US" dirty="0" err="1"/>
+              <a:t>window.history.back</a:t>
+            </a:r>
+            <a:r>
+              <a:rPr lang="en-US" dirty="0"/>
+              <a:t>();</a:t>
+            </a:r>
+          </a:p>
+        </p:txBody>
+      </p:sp>
+      <p:sp>
+        <p:nvSpPr>
+          <p:cNvPr id="27" name="TextBox 26">
+            <a:extLst>
+              <a:ext uri="{FF2B5EF4-FFF2-40B4-BE49-F238E27FC236}">
+                <a16:creationId xmlns:a16="http://schemas.microsoft.com/office/drawing/2014/main" id="{11E12498-A313-6B3B-1FD6-1440223595A5}"/>
+              </a:ext>
+            </a:extLst>
+          </p:cNvPr>
+          <p:cNvSpPr txBox="1"/>
+          <p:nvPr/>
+        </p:nvSpPr>
+        <p:spPr>
+          <a:xfrm>
+            <a:off x="6217028" y="5040829"/>
+            <a:ext cx="5151318" cy="369332"/>
+          </a:xfrm>
+          <a:prstGeom prst="rect">
+            <a:avLst/>
+          </a:prstGeom>
+          <a:noFill/>
+        </p:spPr>
+        <p:txBody>
+          <a:bodyPr wrap="square" rtlCol="0">
+            <a:spAutoFit/>
+          </a:bodyPr>
+          <a:lstStyle/>
+          <a:p>
+            <a:pPr algn="r" rtl="1"/>
+            <a:r>
+              <a:rPr lang="fa-IR" dirty="0"/>
+              <a:t>رفتن به صفحه مرور شده قبلی</a:t>
+            </a:r>
+            <a:endParaRPr lang="en-US" dirty="0"/>
+          </a:p>
+        </p:txBody>
+      </p:sp>
+      <p:sp>
+        <p:nvSpPr>
+          <p:cNvPr id="28" name="TextBox 27">
+            <a:extLst>
+              <a:ext uri="{FF2B5EF4-FFF2-40B4-BE49-F238E27FC236}">
+                <a16:creationId xmlns:a16="http://schemas.microsoft.com/office/drawing/2014/main" id="{301EF089-C411-7897-B97B-F66EBF4E3C8A}"/>
+              </a:ext>
+            </a:extLst>
+          </p:cNvPr>
+          <p:cNvSpPr txBox="1"/>
+          <p:nvPr/>
+        </p:nvSpPr>
+        <p:spPr>
+          <a:xfrm>
+            <a:off x="864800" y="5464715"/>
+            <a:ext cx="5151318" cy="369332"/>
+          </a:xfrm>
+          <a:prstGeom prst="rect">
+            <a:avLst/>
+          </a:prstGeom>
+          <a:noFill/>
+        </p:spPr>
+        <p:txBody>
+          <a:bodyPr wrap="square" rtlCol="0">
+            <a:spAutoFit/>
+          </a:bodyPr>
+          <a:lstStyle/>
+          <a:p>
+            <a:r>
+              <a:rPr lang="en-US" dirty="0" err="1"/>
+              <a:t>window.history.forward</a:t>
+            </a:r>
+            <a:r>
+              <a:rPr lang="en-US" dirty="0"/>
+              <a:t>();</a:t>
+            </a:r>
+          </a:p>
+        </p:txBody>
+      </p:sp>
+      <p:sp>
+        <p:nvSpPr>
+          <p:cNvPr id="30" name="TextBox 29">
+            <a:extLst>
+              <a:ext uri="{FF2B5EF4-FFF2-40B4-BE49-F238E27FC236}">
+                <a16:creationId xmlns:a16="http://schemas.microsoft.com/office/drawing/2014/main" id="{22CE54B4-5C9C-A761-C15E-A7E71DD08181}"/>
+              </a:ext>
+            </a:extLst>
+          </p:cNvPr>
+          <p:cNvSpPr txBox="1"/>
+          <p:nvPr/>
+        </p:nvSpPr>
+        <p:spPr>
+          <a:xfrm>
+            <a:off x="6217028" y="5309518"/>
+            <a:ext cx="5151318" cy="369332"/>
+          </a:xfrm>
+          <a:prstGeom prst="rect">
+            <a:avLst/>
+          </a:prstGeom>
+          <a:noFill/>
+        </p:spPr>
+        <p:txBody>
+          <a:bodyPr wrap="square" rtlCol="0">
+            <a:spAutoFit/>
+          </a:bodyPr>
+          <a:lstStyle/>
+          <a:p>
+            <a:pPr algn="r" rtl="1"/>
+            <a:r>
+              <a:rPr lang="fa-IR" dirty="0"/>
+              <a:t>رفتن به صفحه مرور شده بعدی</a:t>
+            </a:r>
+            <a:endParaRPr lang="en-US" dirty="0"/>
+          </a:p>
+        </p:txBody>
+      </p:sp>
+      <p:sp>
+        <p:nvSpPr>
+          <p:cNvPr id="33" name="TextBox 32">
+            <a:extLst>
+              <a:ext uri="{FF2B5EF4-FFF2-40B4-BE49-F238E27FC236}">
+                <a16:creationId xmlns:a16="http://schemas.microsoft.com/office/drawing/2014/main" id="{70D18D9B-AEF2-203C-13E2-E244B650D40C}"/>
+              </a:ext>
+            </a:extLst>
+          </p:cNvPr>
+          <p:cNvSpPr txBox="1"/>
+          <p:nvPr/>
+        </p:nvSpPr>
+        <p:spPr>
+          <a:xfrm>
+            <a:off x="837372" y="5745443"/>
+            <a:ext cx="6105994" cy="369332"/>
+          </a:xfrm>
+          <a:prstGeom prst="rect">
+            <a:avLst/>
+          </a:prstGeom>
+          <a:noFill/>
+        </p:spPr>
+        <p:txBody>
+          <a:bodyPr wrap="square" rtlCol="0">
+            <a:spAutoFit/>
+          </a:bodyPr>
+          <a:lstStyle/>
+          <a:p>
+            <a:r>
+              <a:rPr lang="en-US" dirty="0" err="1"/>
+              <a:t>document.cookie</a:t>
+            </a:r>
+            <a:r>
+              <a:rPr lang="en-US" dirty="0"/>
+              <a:t>=“name=ali;3000;path=/”;</a:t>
+            </a:r>
+          </a:p>
+        </p:txBody>
+      </p:sp>
+      <p:sp>
+        <p:nvSpPr>
+          <p:cNvPr id="34" name="TextBox 33">
+            <a:extLst>
+              <a:ext uri="{FF2B5EF4-FFF2-40B4-BE49-F238E27FC236}">
+                <a16:creationId xmlns:a16="http://schemas.microsoft.com/office/drawing/2014/main" id="{3205134F-3A4C-031D-FE62-24B24ECD7421}"/>
+              </a:ext>
+            </a:extLst>
+          </p:cNvPr>
+          <p:cNvSpPr txBox="1"/>
+          <p:nvPr/>
+        </p:nvSpPr>
+        <p:spPr>
+          <a:xfrm>
+            <a:off x="5860353" y="5742031"/>
+            <a:ext cx="5151318" cy="369332"/>
+          </a:xfrm>
+          <a:prstGeom prst="rect">
+            <a:avLst/>
+          </a:prstGeom>
+          <a:noFill/>
+        </p:spPr>
+        <p:txBody>
+          <a:bodyPr wrap="square" rtlCol="0">
+            <a:spAutoFit/>
+          </a:bodyPr>
+          <a:lstStyle/>
+          <a:p>
+            <a:pPr algn="r" rtl="1"/>
+            <a:r>
+              <a:rPr lang="fa-IR" dirty="0"/>
+              <a:t>ثبت کوکی</a:t>
+            </a:r>
+            <a:endParaRPr lang="en-US" dirty="0"/>
+          </a:p>
+        </p:txBody>
+      </p:sp>
+      <p:sp>
+        <p:nvSpPr>
+          <p:cNvPr id="35" name="TextBox 34">
+            <a:extLst>
+              <a:ext uri="{FF2B5EF4-FFF2-40B4-BE49-F238E27FC236}">
+                <a16:creationId xmlns:a16="http://schemas.microsoft.com/office/drawing/2014/main" id="{3D414971-0E4F-6B94-6A32-7D4D27E29627}"/>
+              </a:ext>
+            </a:extLst>
+          </p:cNvPr>
+          <p:cNvSpPr txBox="1"/>
+          <p:nvPr/>
+        </p:nvSpPr>
+        <p:spPr>
+          <a:xfrm>
+            <a:off x="851086" y="6077245"/>
+            <a:ext cx="6105994" cy="369332"/>
+          </a:xfrm>
+          <a:prstGeom prst="rect">
+            <a:avLst/>
+          </a:prstGeom>
+          <a:noFill/>
+        </p:spPr>
+        <p:txBody>
+          <a:bodyPr wrap="square" rtlCol="0">
+            <a:spAutoFit/>
+          </a:bodyPr>
+          <a:lstStyle/>
+          <a:p>
+            <a:r>
+              <a:rPr lang="en-US" dirty="0"/>
+              <a:t>var c=</a:t>
+            </a:r>
+            <a:r>
+              <a:rPr lang="en-US" dirty="0" err="1"/>
+              <a:t>document.cookie</a:t>
+            </a:r>
+            <a:r>
+              <a:rPr lang="en-US" dirty="0"/>
+              <a:t>;</a:t>
+            </a:r>
+          </a:p>
+        </p:txBody>
+      </p:sp>
+      <p:sp>
+        <p:nvSpPr>
+          <p:cNvPr id="36" name="TextBox 35">
+            <a:extLst>
+              <a:ext uri="{FF2B5EF4-FFF2-40B4-BE49-F238E27FC236}">
+                <a16:creationId xmlns:a16="http://schemas.microsoft.com/office/drawing/2014/main" id="{6744F569-8953-25D4-3AE2-F893A551204C}"/>
+              </a:ext>
+            </a:extLst>
+          </p:cNvPr>
+          <p:cNvSpPr txBox="1"/>
+          <p:nvPr/>
+        </p:nvSpPr>
+        <p:spPr>
+          <a:xfrm>
+            <a:off x="5874067" y="6073833"/>
+            <a:ext cx="5151318" cy="369332"/>
+          </a:xfrm>
+          <a:prstGeom prst="rect">
+            <a:avLst/>
+          </a:prstGeom>
+          <a:noFill/>
+        </p:spPr>
+        <p:txBody>
+          <a:bodyPr wrap="square" rtlCol="0">
+            <a:spAutoFit/>
+          </a:bodyPr>
+          <a:lstStyle/>
+          <a:p>
+            <a:pPr algn="r" rtl="1"/>
+            <a:r>
+              <a:rPr lang="fa-IR" dirty="0"/>
+              <a:t>خواندن کوکی ها</a:t>
             </a:r>
             <a:endParaRPr lang="en-US" dirty="0"/>
           </a:p>
@@ -7652,7 +7940,7 @@
     </p:spTree>
     <p:extLst>
       <p:ext uri="{BB962C8B-B14F-4D97-AF65-F5344CB8AC3E}">
-        <p14:creationId xmlns:p14="http://schemas.microsoft.com/office/powerpoint/2010/main" val="1948958954"/>
+        <p14:creationId xmlns:p14="http://schemas.microsoft.com/office/powerpoint/2010/main" val="1307904375"/>
       </p:ext>
     </p:extLst>
   </p:cSld>
@@ -7693,42 +7981,31 @@
         </p:nvSpPr>
         <p:spPr>
           <a:xfrm>
-            <a:off x="744082" y="1051180"/>
-            <a:ext cx="8388222" cy="646331"/>
-          </a:xfrm>
-          <a:prstGeom prst="rect">
-            <a:avLst/>
-          </a:prstGeom>
-          <a:noFill/>
-        </p:spPr>
-        <p:txBody>
-          <a:bodyPr wrap="square" rtlCol="0">
-            <a:spAutoFit/>
-          </a:bodyPr>
-          <a:lstStyle/>
-          <a:p>
-            <a:r>
-              <a:rPr lang="en-US" dirty="0"/>
-              <a:t>var user=</a:t>
-            </a:r>
-            <a:r>
-              <a:rPr lang="en-US" dirty="0" err="1"/>
-              <a:t>getCookie</a:t>
-            </a:r>
-            <a:r>
-              <a:rPr lang="en-US" dirty="0"/>
-              <a:t>(“username”);</a:t>
-            </a:r>
-            <a:endParaRPr lang="fa-IR" dirty="0"/>
-          </a:p>
-          <a:p>
-            <a:r>
-              <a:rPr lang="en-US" dirty="0" err="1"/>
-              <a:t>document.cookie</a:t>
-            </a:r>
-            <a:r>
-              <a:rPr lang="en-US" dirty="0"/>
-              <a:t>=“name=ali;3000;path=/”;</a:t>
+            <a:off x="837372" y="1114991"/>
+            <a:ext cx="8388222" cy="369332"/>
+          </a:xfrm>
+          <a:prstGeom prst="rect">
+            <a:avLst/>
+          </a:prstGeom>
+          <a:noFill/>
+        </p:spPr>
+        <p:txBody>
+          <a:bodyPr wrap="square" rtlCol="0">
+            <a:spAutoFit/>
+          </a:bodyPr>
+          <a:lstStyle/>
+          <a:p>
+            <a:r>
+              <a:rPr lang="en-US" dirty="0"/>
+              <a:t>alert(“</a:t>
+            </a:r>
+            <a:r>
+              <a:rPr lang="fa-IR" dirty="0"/>
+              <a:t>متن</a:t>
+            </a:r>
+            <a:r>
+              <a:rPr lang="en-US" dirty="0"/>
+              <a:t>”);</a:t>
             </a:r>
           </a:p>
         </p:txBody>
@@ -7764,7 +8041,7 @@
             <a:pPr algn="r" rtl="1"/>
             <a:r>
               <a:rPr lang="fa-IR" dirty="0"/>
-              <a:t>دریافت مقدار یک کوکی</a:t>
+              <a:t>پنجره بازشو از بالا</a:t>
             </a:r>
             <a:endParaRPr lang="en-US" dirty="0"/>
           </a:p>
@@ -7801,7 +8078,7 @@
             <a:pPr algn="r" rtl="1"/>
             <a:r>
               <a:rPr lang="en-US" dirty="0"/>
-              <a:t>cookie</a:t>
+              <a:t>Popup</a:t>
             </a:r>
             <a:r>
               <a:rPr lang="fa-IR" dirty="0"/>
@@ -7840,12 +8117,16 @@
           <a:lstStyle/>
           <a:p>
             <a:r>
-              <a:rPr lang="en-US" dirty="0" err="1"/>
-              <a:t>setCookie</a:t>
-            </a:r>
-            <a:r>
-              <a:rPr lang="en-US" dirty="0"/>
-              <a:t>(“username”,”alireza”,30);</a:t>
+              <a:rPr lang="en-US" dirty="0"/>
+              <a:t>If(confirm(“</a:t>
+            </a:r>
+            <a:r>
+              <a:rPr lang="fa-IR" dirty="0"/>
+              <a:t>متن</a:t>
+            </a:r>
+            <a:r>
+              <a:rPr lang="en-US" dirty="0"/>
+              <a:t>”)){…}</a:t>
             </a:r>
           </a:p>
         </p:txBody>
@@ -7930,7 +8211,7 @@
             <a:pPr algn="r" rtl="1"/>
             <a:r>
               <a:rPr lang="fa-IR" dirty="0"/>
-              <a:t>ثبت یک کوکی با مقدار و زمان ماندگاری ب حسب روز</a:t>
+              <a:t>سوال از کاربر</a:t>
             </a:r>
             <a:endParaRPr lang="en-US" dirty="0"/>
           </a:p>
@@ -7976,7 +8257,7 @@
     </p:spTree>
     <p:extLst>
       <p:ext uri="{BB962C8B-B14F-4D97-AF65-F5344CB8AC3E}">
-        <p14:creationId xmlns:p14="http://schemas.microsoft.com/office/powerpoint/2010/main" val="3388338524"/>
+        <p14:creationId xmlns:p14="http://schemas.microsoft.com/office/powerpoint/2010/main" val="1948958954"/>
       </p:ext>
     </p:extLst>
   </p:cSld>
@@ -8126,6 +8407,330 @@
 </file>
 
 <file path=ppt/slides/slide20.xml><?xml version="1.0" encoding="utf-8"?>
+<p:sld xmlns:a="http://schemas.openxmlformats.org/drawingml/2006/main" xmlns:r="http://schemas.openxmlformats.org/officeDocument/2006/relationships" xmlns:p="http://schemas.openxmlformats.org/presentationml/2006/main">
+  <p:cSld>
+    <p:spTree>
+      <p:nvGrpSpPr>
+        <p:cNvPr id="1" name=""/>
+        <p:cNvGrpSpPr/>
+        <p:nvPr/>
+      </p:nvGrpSpPr>
+      <p:grpSpPr>
+        <a:xfrm>
+          <a:off x="0" y="0"/>
+          <a:ext cx="0" cy="0"/>
+          <a:chOff x="0" y="0"/>
+          <a:chExt cx="0" cy="0"/>
+        </a:xfrm>
+      </p:grpSpPr>
+      <p:sp>
+        <p:nvSpPr>
+          <p:cNvPr id="3" name="TextBox 2">
+            <a:extLst>
+              <a:ext uri="{FF2B5EF4-FFF2-40B4-BE49-F238E27FC236}">
+                <a16:creationId xmlns:a16="http://schemas.microsoft.com/office/drawing/2014/main" id="{7E03A34F-44DF-4CAB-A9D6-51021CF7136D}"/>
+              </a:ext>
+            </a:extLst>
+          </p:cNvPr>
+          <p:cNvSpPr txBox="1"/>
+          <p:nvPr/>
+        </p:nvSpPr>
+        <p:spPr>
+          <a:xfrm>
+            <a:off x="744082" y="1051180"/>
+            <a:ext cx="8388222" cy="646331"/>
+          </a:xfrm>
+          <a:prstGeom prst="rect">
+            <a:avLst/>
+          </a:prstGeom>
+          <a:noFill/>
+        </p:spPr>
+        <p:txBody>
+          <a:bodyPr wrap="square" rtlCol="0">
+            <a:spAutoFit/>
+          </a:bodyPr>
+          <a:lstStyle/>
+          <a:p>
+            <a:r>
+              <a:rPr lang="en-US" dirty="0"/>
+              <a:t>var user=</a:t>
+            </a:r>
+            <a:r>
+              <a:rPr lang="en-US" dirty="0" err="1"/>
+              <a:t>getCookie</a:t>
+            </a:r>
+            <a:r>
+              <a:rPr lang="en-US" dirty="0"/>
+              <a:t>(“username”);</a:t>
+            </a:r>
+            <a:endParaRPr lang="fa-IR" dirty="0"/>
+          </a:p>
+          <a:p>
+            <a:r>
+              <a:rPr lang="en-US" dirty="0" err="1"/>
+              <a:t>document.cookie</a:t>
+            </a:r>
+            <a:r>
+              <a:rPr lang="en-US" dirty="0"/>
+              <a:t>=“name=ali;3000;path=/”;</a:t>
+            </a:r>
+          </a:p>
+        </p:txBody>
+      </p:sp>
+      <p:sp>
+        <p:nvSpPr>
+          <p:cNvPr id="4" name="TextBox 3">
+            <a:extLst>
+              <a:ext uri="{FF2B5EF4-FFF2-40B4-BE49-F238E27FC236}">
+                <a16:creationId xmlns:a16="http://schemas.microsoft.com/office/drawing/2014/main" id="{8C44526C-0C54-45B5-BD1A-DEF255D9333E}"/>
+              </a:ext>
+            </a:extLst>
+          </p:cNvPr>
+          <p:cNvSpPr txBox="1"/>
+          <p:nvPr/>
+        </p:nvSpPr>
+        <p:spPr>
+          <a:xfrm>
+            <a:off x="6296600" y="962853"/>
+            <a:ext cx="5151318" cy="369332"/>
+          </a:xfrm>
+          <a:prstGeom prst="rect">
+            <a:avLst/>
+          </a:prstGeom>
+          <a:noFill/>
+        </p:spPr>
+        <p:txBody>
+          <a:bodyPr wrap="square" rtlCol="0">
+            <a:spAutoFit/>
+          </a:bodyPr>
+          <a:lstStyle/>
+          <a:p>
+            <a:pPr algn="r" rtl="1"/>
+            <a:r>
+              <a:rPr lang="fa-IR" dirty="0"/>
+              <a:t>دریافت مقدار یک کوکی</a:t>
+            </a:r>
+            <a:endParaRPr lang="en-US" dirty="0"/>
+          </a:p>
+        </p:txBody>
+      </p:sp>
+      <p:sp>
+        <p:nvSpPr>
+          <p:cNvPr id="8" name="TextBox 7">
+            <a:extLst>
+              <a:ext uri="{FF2B5EF4-FFF2-40B4-BE49-F238E27FC236}">
+                <a16:creationId xmlns:a16="http://schemas.microsoft.com/office/drawing/2014/main" id="{8C561606-C72D-4340-A200-1E6B11C4A540}"/>
+              </a:ext>
+            </a:extLst>
+          </p:cNvPr>
+          <p:cNvSpPr txBox="1"/>
+          <p:nvPr/>
+        </p:nvSpPr>
+        <p:spPr>
+          <a:xfrm>
+            <a:off x="3222661" y="582591"/>
+            <a:ext cx="5151318" cy="369332"/>
+          </a:xfrm>
+          <a:prstGeom prst="rect">
+            <a:avLst/>
+          </a:prstGeom>
+          <a:noFill/>
+        </p:spPr>
+        <p:txBody>
+          <a:bodyPr wrap="square" rtlCol="0">
+            <a:spAutoFit/>
+          </a:bodyPr>
+          <a:lstStyle/>
+          <a:p>
+            <a:pPr algn="r" rtl="1"/>
+            <a:r>
+              <a:rPr lang="en-US" dirty="0"/>
+              <a:t>cookie</a:t>
+            </a:r>
+            <a:r>
+              <a:rPr lang="fa-IR" dirty="0"/>
+              <a:t> ها</a:t>
+            </a:r>
+            <a:endParaRPr lang="en-US" dirty="0"/>
+          </a:p>
+        </p:txBody>
+      </p:sp>
+      <p:sp>
+        <p:nvSpPr>
+          <p:cNvPr id="2" name="TextBox 1">
+            <a:extLst>
+              <a:ext uri="{FF2B5EF4-FFF2-40B4-BE49-F238E27FC236}">
+                <a16:creationId xmlns:a16="http://schemas.microsoft.com/office/drawing/2014/main" id="{6AF2CCA3-0694-EBF3-F0F2-3B3930B936D1}"/>
+              </a:ext>
+            </a:extLst>
+          </p:cNvPr>
+          <p:cNvSpPr txBox="1"/>
+          <p:nvPr/>
+        </p:nvSpPr>
+        <p:spPr>
+          <a:xfrm>
+            <a:off x="837372" y="2014773"/>
+            <a:ext cx="8388222" cy="369332"/>
+          </a:xfrm>
+          <a:prstGeom prst="rect">
+            <a:avLst/>
+          </a:prstGeom>
+          <a:noFill/>
+        </p:spPr>
+        <p:txBody>
+          <a:bodyPr wrap="square" rtlCol="0">
+            <a:spAutoFit/>
+          </a:bodyPr>
+          <a:lstStyle/>
+          <a:p>
+            <a:r>
+              <a:rPr lang="en-US" dirty="0" err="1"/>
+              <a:t>setCookie</a:t>
+            </a:r>
+            <a:r>
+              <a:rPr lang="en-US" dirty="0"/>
+              <a:t>(“username”,”alireza”,30);</a:t>
+            </a:r>
+          </a:p>
+        </p:txBody>
+      </p:sp>
+      <p:sp>
+        <p:nvSpPr>
+          <p:cNvPr id="5" name="TextBox 4">
+            <a:extLst>
+              <a:ext uri="{FF2B5EF4-FFF2-40B4-BE49-F238E27FC236}">
+                <a16:creationId xmlns:a16="http://schemas.microsoft.com/office/drawing/2014/main" id="{D084C10F-02BD-2A45-6C17-5A63AFE93518}"/>
+              </a:ext>
+            </a:extLst>
+          </p:cNvPr>
+          <p:cNvSpPr txBox="1"/>
+          <p:nvPr/>
+        </p:nvSpPr>
+        <p:spPr>
+          <a:xfrm>
+            <a:off x="837372" y="3193929"/>
+            <a:ext cx="8388222" cy="646331"/>
+          </a:xfrm>
+          <a:prstGeom prst="rect">
+            <a:avLst/>
+          </a:prstGeom>
+          <a:noFill/>
+        </p:spPr>
+        <p:txBody>
+          <a:bodyPr wrap="square" rtlCol="0">
+            <a:spAutoFit/>
+          </a:bodyPr>
+          <a:lstStyle/>
+          <a:p>
+            <a:r>
+              <a:rPr lang="en-US" dirty="0"/>
+              <a:t>var txt=prompt(“</a:t>
+            </a:r>
+            <a:r>
+              <a:rPr lang="en-US" dirty="0" err="1"/>
+              <a:t>text”,”default</a:t>
+            </a:r>
+            <a:r>
+              <a:rPr lang="en-US" dirty="0"/>
+              <a:t>”);</a:t>
+            </a:r>
+          </a:p>
+          <a:p>
+            <a:r>
+              <a:rPr lang="en-US" dirty="0"/>
+              <a:t>If(txt!=null &amp;&amp; txt!=“”){console.log(txt);}</a:t>
+            </a:r>
+          </a:p>
+        </p:txBody>
+      </p:sp>
+      <p:sp>
+        <p:nvSpPr>
+          <p:cNvPr id="7" name="TextBox 6">
+            <a:extLst>
+              <a:ext uri="{FF2B5EF4-FFF2-40B4-BE49-F238E27FC236}">
+                <a16:creationId xmlns:a16="http://schemas.microsoft.com/office/drawing/2014/main" id="{E8AABD2D-B6C9-B573-C12D-C2B71478343C}"/>
+              </a:ext>
+            </a:extLst>
+          </p:cNvPr>
+          <p:cNvSpPr txBox="1"/>
+          <p:nvPr/>
+        </p:nvSpPr>
+        <p:spPr>
+          <a:xfrm>
+            <a:off x="6203310" y="1824476"/>
+            <a:ext cx="5151318" cy="369332"/>
+          </a:xfrm>
+          <a:prstGeom prst="rect">
+            <a:avLst/>
+          </a:prstGeom>
+          <a:noFill/>
+        </p:spPr>
+        <p:txBody>
+          <a:bodyPr wrap="square" rtlCol="0">
+            <a:spAutoFit/>
+          </a:bodyPr>
+          <a:lstStyle/>
+          <a:p>
+            <a:pPr algn="r" rtl="1"/>
+            <a:r>
+              <a:rPr lang="fa-IR" dirty="0"/>
+              <a:t>ثبت یک کوکی با مقدار و زمان ماندگاری ب حسب روز</a:t>
+            </a:r>
+            <a:endParaRPr lang="en-US" dirty="0"/>
+          </a:p>
+        </p:txBody>
+      </p:sp>
+      <p:sp>
+        <p:nvSpPr>
+          <p:cNvPr id="29" name="TextBox 28">
+            <a:extLst>
+              <a:ext uri="{FF2B5EF4-FFF2-40B4-BE49-F238E27FC236}">
+                <a16:creationId xmlns:a16="http://schemas.microsoft.com/office/drawing/2014/main" id="{F3F0945E-BFC5-C0F2-226F-28868698061C}"/>
+              </a:ext>
+            </a:extLst>
+          </p:cNvPr>
+          <p:cNvSpPr txBox="1"/>
+          <p:nvPr/>
+        </p:nvSpPr>
+        <p:spPr>
+          <a:xfrm>
+            <a:off x="6096000" y="3332428"/>
+            <a:ext cx="5151318" cy="369332"/>
+          </a:xfrm>
+          <a:prstGeom prst="rect">
+            <a:avLst/>
+          </a:prstGeom>
+          <a:noFill/>
+        </p:spPr>
+        <p:txBody>
+          <a:bodyPr wrap="square" rtlCol="0">
+            <a:spAutoFit/>
+          </a:bodyPr>
+          <a:lstStyle/>
+          <a:p>
+            <a:pPr algn="r" rtl="1"/>
+            <a:r>
+              <a:rPr lang="fa-IR" dirty="0"/>
+              <a:t>دریافت مقدار از کاربر</a:t>
+            </a:r>
+            <a:endParaRPr lang="en-US" dirty="0"/>
+          </a:p>
+        </p:txBody>
+      </p:sp>
+    </p:spTree>
+    <p:extLst>
+      <p:ext uri="{BB962C8B-B14F-4D97-AF65-F5344CB8AC3E}">
+        <p14:creationId xmlns:p14="http://schemas.microsoft.com/office/powerpoint/2010/main" val="3388338524"/>
+      </p:ext>
+    </p:extLst>
+  </p:cSld>
+  <p:clrMapOvr>
+    <a:masterClrMapping/>
+  </p:clrMapOvr>
+</p:sld>
+</file>
+
+<file path=ppt/slides/slide21.xml><?xml version="1.0" encoding="utf-8"?>
 <p:sld xmlns:a="http://schemas.openxmlformats.org/drawingml/2006/main" xmlns:r="http://schemas.openxmlformats.org/officeDocument/2006/relationships" xmlns:p="http://schemas.openxmlformats.org/presentationml/2006/main">
   <p:cSld>
     <p:spTree>
